--- a/poster/ML_final_poster.pptx
+++ b/poster/ML_final_poster.pptx
@@ -1,6 +1,6 @@
 
 <file path=ppt/presentation.xml><?xml version="1.0" encoding="utf-8"?>
-<p:presentation xmlns:a="http://schemas.openxmlformats.org/drawingml/2006/main" xmlns:r="http://schemas.openxmlformats.org/officeDocument/2006/relationships" xmlns:p="http://schemas.openxmlformats.org/presentationml/2006/main" saveSubsetFonts="1">
+<p:presentation xmlns:a="http://schemas.openxmlformats.org/drawingml/2006/main" xmlns:r="http://schemas.openxmlformats.org/officeDocument/2006/relationships" xmlns:mc="http://schemas.openxmlformats.org/markup-compatibility/2006" xmlns:mv="urn:schemas-microsoft-com:mac:vml" xmlns:p="http://schemas.openxmlformats.org/presentationml/2006/main" mc:Ignorable="mv" mc:PreserveAttributes="mv:*" saveSubsetFonts="1">
   <p:sldMasterIdLst>
     <p:sldMasterId id="2147483648" r:id="rId1"/>
   </p:sldMasterIdLst>
@@ -108,7 +108,7 @@
 </file>
 
 <file path=ppt/slideLayouts/slideLayout1.xml><?xml version="1.0" encoding="utf-8"?>
-<p:sldLayout xmlns:a="http://schemas.openxmlformats.org/drawingml/2006/main" xmlns:r="http://schemas.openxmlformats.org/officeDocument/2006/relationships" xmlns:p="http://schemas.openxmlformats.org/presentationml/2006/main" preserve="1" userDrawn="1">
+<p:sldLayout xmlns:a="http://schemas.openxmlformats.org/drawingml/2006/main" xmlns:r="http://schemas.openxmlformats.org/officeDocument/2006/relationships" xmlns:mc="http://schemas.openxmlformats.org/markup-compatibility/2006" xmlns:mv="urn:schemas-microsoft-com:mac:vml" xmlns:p="http://schemas.openxmlformats.org/presentationml/2006/main" mc:Ignorable="mv" mc:PreserveAttributes="mv:*" preserve="1" userDrawn="1">
   <p:cSld name="Title Slide">
     <p:spTree>
       <p:nvGrpSpPr>
@@ -339,7 +339,7 @@
           <a:blip r:embed="rId2" cstate="print">
             <a:extLst>
               <a:ext uri="{28A0092B-C50C-407E-A947-70E740481C1C}">
-                <a14:useLocalDpi xmlns:a14="http://schemas.microsoft.com/office/drawing/2010/main" val="0"/>
+                <a14:useLocalDpi xmlns:a14="http://schemas.microsoft.com/office/drawing/2010/main" xmlns:p="http://schemas.openxmlformats.org/presentationml/2006/main" xmlns:r="http://schemas.openxmlformats.org/officeDocument/2006/relationships" xmlns:a="http://schemas.openxmlformats.org/drawingml/2006/main" xmlns="" val="0"/>
               </a:ext>
             </a:extLst>
           </a:blip>
@@ -362,14 +362,14 @@
           </a:ln>
           <a:extLst>
             <a:ext uri="{909E8E84-426E-40dd-AFC4-6F175D3DCCD1}">
-              <a14:hiddenFill xmlns:a14="http://schemas.microsoft.com/office/drawing/2010/main">
+              <a14:hiddenFill xmlns:a14="http://schemas.microsoft.com/office/drawing/2010/main" xmlns:p="http://schemas.openxmlformats.org/presentationml/2006/main" xmlns:r="http://schemas.openxmlformats.org/officeDocument/2006/relationships" xmlns:a="http://schemas.openxmlformats.org/drawingml/2006/main" xmlns="">
                 <a:solidFill>
                   <a:srgbClr val="FFFFFF"/>
                 </a:solidFill>
               </a14:hiddenFill>
             </a:ext>
             <a:ext uri="{91240B29-F687-4f45-9708-019B960494DF}">
-              <a14:hiddenLine xmlns:a14="http://schemas.microsoft.com/office/drawing/2010/main" w="9525">
+              <a14:hiddenLine xmlns:a14="http://schemas.microsoft.com/office/drawing/2010/main" xmlns:p="http://schemas.openxmlformats.org/presentationml/2006/main" xmlns:r="http://schemas.openxmlformats.org/officeDocument/2006/relationships" xmlns:a="http://schemas.openxmlformats.org/drawingml/2006/main" xmlns="" w="9525">
                 <a:solidFill>
                   <a:srgbClr val="000000"/>
                 </a:solidFill>
@@ -1688,7 +1688,7 @@
             <a:blip r:embed="rId3">
               <a:extLst>
                 <a:ext uri="{28A0092B-C50C-407E-A947-70E740481C1C}">
-                  <a14:useLocalDpi xmlns:a14="http://schemas.microsoft.com/office/drawing/2010/main" val="0"/>
+                  <a14:useLocalDpi xmlns:a14="http://schemas.microsoft.com/office/drawing/2010/main" xmlns:p="http://schemas.openxmlformats.org/presentationml/2006/main" xmlns:r="http://schemas.openxmlformats.org/officeDocument/2006/relationships" xmlns:a="http://schemas.openxmlformats.org/drawingml/2006/main" xmlns="" val="0"/>
                 </a:ext>
               </a:extLst>
             </a:blip>
@@ -1710,7 +1710,7 @@
     </p:spTree>
     <p:extLst>
       <p:ext uri="{BB962C8B-B14F-4D97-AF65-F5344CB8AC3E}">
-        <p14:creationId xmlns:p14="http://schemas.microsoft.com/office/powerpoint/2010/main" val="3812944807"/>
+        <p14:creationId xmlns:p14="http://schemas.microsoft.com/office/powerpoint/2010/main" xmlns:p="http://schemas.openxmlformats.org/presentationml/2006/main" xmlns:r="http://schemas.openxmlformats.org/officeDocument/2006/relationships" xmlns:a="http://schemas.openxmlformats.org/drawingml/2006/main" xmlns="" val="3812944807"/>
       </p:ext>
     </p:extLst>
   </p:cSld>
@@ -1720,7 +1720,7 @@
   <p:timing>
     <p:tnLst>
       <p:par>
-        <p:cTn xmlns:p14="http://schemas.microsoft.com/office/powerpoint/2010/main" id="1" dur="indefinite" restart="never" nodeType="tmRoot"/>
+        <p:cTn id="1" dur="indefinite" restart="never" nodeType="tmRoot"/>
       </p:par>
     </p:tnLst>
   </p:timing>
@@ -1728,7 +1728,7 @@
 </file>
 
 <file path=ppt/slideLayouts/slideLayout2.xml><?xml version="1.0" encoding="utf-8"?>
-<p:sldLayout xmlns:a="http://schemas.openxmlformats.org/drawingml/2006/main" xmlns:r="http://schemas.openxmlformats.org/officeDocument/2006/relationships" xmlns:p="http://schemas.openxmlformats.org/presentationml/2006/main" type="obj" preserve="1">
+<p:sldLayout xmlns:a="http://schemas.openxmlformats.org/drawingml/2006/main" xmlns:r="http://schemas.openxmlformats.org/officeDocument/2006/relationships" xmlns:mc="http://schemas.openxmlformats.org/markup-compatibility/2006" xmlns:mv="urn:schemas-microsoft-com:mac:vml" xmlns:p="http://schemas.openxmlformats.org/presentationml/2006/main" mc:Ignorable="mv" mc:PreserveAttributes="mv:*" type="obj" preserve="1">
   <p:cSld name="Title and Content">
     <p:spTree>
       <p:nvGrpSpPr>
@@ -1836,7 +1836,8 @@
           <a:p>
             <a:fld id="{985D6BDF-9D0E-4E2B-85B8-D8F4790360C9}" type="datetimeFigureOut">
               <a:rPr lang="en-US" smtClean="0"/>
-              <a:t>12/4/14</a:t>
+              <a:pPr/>
+              <a:t>12/14/14</a:t>
             </a:fld>
             <a:endParaRPr lang="en-US" dirty="0"/>
           </a:p>
@@ -1878,6 +1879,7 @@
           <a:p>
             <a:fld id="{FBB075EA-769C-4ECD-B48E-D6FCDC24F876}" type="slidenum">
               <a:rPr lang="en-US" smtClean="0"/>
+              <a:pPr/>
               <a:t>‹#›</a:t>
             </a:fld>
             <a:endParaRPr lang="en-US" dirty="0"/>
@@ -1887,7 +1889,7 @@
     </p:spTree>
     <p:extLst>
       <p:ext uri="{BB962C8B-B14F-4D97-AF65-F5344CB8AC3E}">
-        <p14:creationId xmlns:p14="http://schemas.microsoft.com/office/powerpoint/2010/main" val="2931665100"/>
+        <p14:creationId xmlns:p14="http://schemas.microsoft.com/office/powerpoint/2010/main" xmlns:p="http://schemas.openxmlformats.org/presentationml/2006/main" xmlns:r="http://schemas.openxmlformats.org/officeDocument/2006/relationships" xmlns:a="http://schemas.openxmlformats.org/drawingml/2006/main" xmlns="" val="2931665100"/>
       </p:ext>
     </p:extLst>
   </p:cSld>
@@ -1897,7 +1899,7 @@
   <p:timing>
     <p:tnLst>
       <p:par>
-        <p:cTn xmlns:p14="http://schemas.microsoft.com/office/powerpoint/2010/main" id="1" dur="indefinite" restart="never" nodeType="tmRoot"/>
+        <p:cTn id="1" dur="indefinite" restart="never" nodeType="tmRoot"/>
       </p:par>
     </p:tnLst>
   </p:timing>
@@ -1905,7 +1907,7 @@
 </file>
 
 <file path=ppt/slideMasters/slideMaster1.xml><?xml version="1.0" encoding="utf-8"?>
-<p:sldMaster xmlns:a="http://schemas.openxmlformats.org/drawingml/2006/main" xmlns:r="http://schemas.openxmlformats.org/officeDocument/2006/relationships" xmlns:p="http://schemas.openxmlformats.org/presentationml/2006/main">
+<p:sldMaster xmlns:a="http://schemas.openxmlformats.org/drawingml/2006/main" xmlns:r="http://schemas.openxmlformats.org/officeDocument/2006/relationships" xmlns:mc="http://schemas.openxmlformats.org/markup-compatibility/2006" xmlns:mv="urn:schemas-microsoft-com:mac:vml" xmlns:p="http://schemas.openxmlformats.org/presentationml/2006/main" mc:Ignorable="mv" mc:PreserveAttributes="mv:*">
   <p:cSld>
     <p:bg>
       <p:bgRef idx="1001">
@@ -2058,7 +2060,7 @@
             <a:fld id="{985D6BDF-9D0E-4E2B-85B8-D8F4790360C9}" type="datetimeFigureOut">
               <a:rPr lang="en-US" smtClean="0"/>
               <a:pPr/>
-              <a:t>12/4/14</a:t>
+              <a:t>12/14/14</a:t>
             </a:fld>
             <a:endParaRPr lang="en-US" dirty="0"/>
           </a:p>
@@ -2148,7 +2150,7 @@
     </p:spTree>
     <p:extLst>
       <p:ext uri="{BB962C8B-B14F-4D97-AF65-F5344CB8AC3E}">
-        <p14:creationId xmlns:p14="http://schemas.microsoft.com/office/powerpoint/2010/main" val="72322184"/>
+        <p14:creationId xmlns:p14="http://schemas.microsoft.com/office/powerpoint/2010/main" xmlns:p="http://schemas.openxmlformats.org/presentationml/2006/main" xmlns:r="http://schemas.openxmlformats.org/officeDocument/2006/relationships" xmlns:a="http://schemas.openxmlformats.org/drawingml/2006/main" xmlns="" val="72322184"/>
       </p:ext>
     </p:extLst>
   </p:cSld>
@@ -2160,7 +2162,7 @@
   <p:timing>
     <p:tnLst>
       <p:par>
-        <p:cTn xmlns:p14="http://schemas.microsoft.com/office/powerpoint/2010/main" id="1" dur="indefinite" restart="never" nodeType="tmRoot"/>
+        <p:cTn id="1" dur="indefinite" restart="never" nodeType="tmRoot"/>
       </p:par>
     </p:tnLst>
   </p:timing>
@@ -2418,7 +2420,7 @@
 </file>
 
 <file path=ppt/slides/slide1.xml><?xml version="1.0" encoding="utf-8"?>
-<p:sld xmlns:a="http://schemas.openxmlformats.org/drawingml/2006/main" xmlns:r="http://schemas.openxmlformats.org/officeDocument/2006/relationships" xmlns:p="http://schemas.openxmlformats.org/presentationml/2006/main">
+<p:sld xmlns:a="http://schemas.openxmlformats.org/drawingml/2006/main" xmlns:r="http://schemas.openxmlformats.org/officeDocument/2006/relationships" xmlns:mc="http://schemas.openxmlformats.org/markup-compatibility/2006" xmlns:mv="urn:schemas-microsoft-com:mac:vml" xmlns:p="http://schemas.openxmlformats.org/presentationml/2006/main" mc:Ignorable="mv" mc:PreserveAttributes="mv:*">
   <p:cSld>
     <p:spTree>
       <p:nvGrpSpPr>
@@ -2457,14 +2459,14 @@
           <a:effectLst/>
           <a:extLst>
             <a:ext uri="{909E8E84-426E-40dd-AFC4-6F175D3DCCD1}">
-              <a14:hiddenFill xmlns:a14="http://schemas.microsoft.com/office/drawing/2010/main">
+              <a14:hiddenFill xmlns:a14="http://schemas.microsoft.com/office/drawing/2010/main" xmlns:p="http://schemas.openxmlformats.org/presentationml/2006/main" xmlns:r="http://schemas.openxmlformats.org/officeDocument/2006/relationships" xmlns:a="http://schemas.openxmlformats.org/drawingml/2006/main" xmlns="">
                 <a:solidFill>
                   <a:schemeClr val="accent1"/>
                 </a:solidFill>
               </a14:hiddenFill>
             </a:ext>
             <a:ext uri="{91240B29-F687-4f45-9708-019B960494DF}">
-              <a14:hiddenLine xmlns:a14="http://schemas.microsoft.com/office/drawing/2010/main" w="9525">
+              <a14:hiddenLine xmlns:a14="http://schemas.microsoft.com/office/drawing/2010/main" xmlns:p="http://schemas.openxmlformats.org/presentationml/2006/main" xmlns:r="http://schemas.openxmlformats.org/officeDocument/2006/relationships" xmlns:a="http://schemas.openxmlformats.org/drawingml/2006/main" xmlns="" w="9525">
                 <a:solidFill>
                   <a:schemeClr val="tx1"/>
                 </a:solidFill>
@@ -2474,7 +2476,7 @@
               </a14:hiddenLine>
             </a:ext>
             <a:ext uri="{AF507438-7753-43e0-B8FC-AC1667EBCBE1}">
-              <a14:hiddenEffects xmlns:a14="http://schemas.microsoft.com/office/drawing/2010/main">
+              <a14:hiddenEffects xmlns:a14="http://schemas.microsoft.com/office/drawing/2010/main" xmlns:p="http://schemas.openxmlformats.org/presentationml/2006/main" xmlns:r="http://schemas.openxmlformats.org/officeDocument/2006/relationships" xmlns:a="http://schemas.openxmlformats.org/drawingml/2006/main" xmlns="">
                 <a:effectLst>
                   <a:outerShdw dist="35921" dir="2700000" algn="ctr" rotWithShape="0">
                     <a:schemeClr val="bg2"/>
@@ -2596,7 +2598,17 @@
                 <a:latin typeface="Arial"/>
                 <a:cs typeface="Arial"/>
               </a:rPr>
-              <a:t>18: Model Friend Memberships to Multiple Circles</a:t>
+              <a:t>A#: Music </a:t>
+            </a:r>
+            <a:r>
+              <a:rPr lang="en-US" sz="7000" b="1" i="1" dirty="0" err="1" smtClean="0">
+                <a:solidFill>
+                  <a:schemeClr val="bg1"/>
+                </a:solidFill>
+                <a:latin typeface="Arial"/>
+                <a:cs typeface="Arial"/>
+              </a:rPr>
+              <a:t>Visualizer</a:t>
             </a:r>
             <a:endParaRPr lang="en-US" sz="7000" b="1" i="1" dirty="0">
               <a:solidFill>
@@ -2631,14 +2643,14 @@
           <a:effectLst/>
           <a:extLst>
             <a:ext uri="{909E8E84-426E-40dd-AFC4-6F175D3DCCD1}">
-              <a14:hiddenFill xmlns:a14="http://schemas.microsoft.com/office/drawing/2010/main">
+              <a14:hiddenFill xmlns:a14="http://schemas.microsoft.com/office/drawing/2010/main" xmlns:p="http://schemas.openxmlformats.org/presentationml/2006/main" xmlns:r="http://schemas.openxmlformats.org/officeDocument/2006/relationships" xmlns:a="http://schemas.openxmlformats.org/drawingml/2006/main" xmlns="">
                 <a:solidFill>
                   <a:schemeClr val="accent1"/>
                 </a:solidFill>
               </a14:hiddenFill>
             </a:ext>
             <a:ext uri="{91240B29-F687-4f45-9708-019B960494DF}">
-              <a14:hiddenLine xmlns:a14="http://schemas.microsoft.com/office/drawing/2010/main" w="9525">
+              <a14:hiddenLine xmlns:a14="http://schemas.microsoft.com/office/drawing/2010/main" xmlns:p="http://schemas.openxmlformats.org/presentationml/2006/main" xmlns:r="http://schemas.openxmlformats.org/officeDocument/2006/relationships" xmlns:a="http://schemas.openxmlformats.org/drawingml/2006/main" xmlns="" w="9525">
                 <a:solidFill>
                   <a:schemeClr val="tx1"/>
                 </a:solidFill>
@@ -2648,7 +2660,7 @@
               </a14:hiddenLine>
             </a:ext>
             <a:ext uri="{AF507438-7753-43e0-B8FC-AC1667EBCBE1}">
-              <a14:hiddenEffects xmlns:a14="http://schemas.microsoft.com/office/drawing/2010/main">
+              <a14:hiddenEffects xmlns:a14="http://schemas.microsoft.com/office/drawing/2010/main" xmlns:p="http://schemas.openxmlformats.org/presentationml/2006/main" xmlns:r="http://schemas.openxmlformats.org/officeDocument/2006/relationships" xmlns:a="http://schemas.openxmlformats.org/drawingml/2006/main" xmlns="">
                 <a:effectLst>
                   <a:outerShdw dist="35921" dir="2700000" algn="ctr" rotWithShape="0">
                     <a:schemeClr val="bg2"/>
@@ -2761,42 +2773,22 @@
           <a:p>
             <a:pPr algn="ctr" eaLnBrk="1" hangingPunct="1"/>
             <a:r>
-              <a:rPr lang="en-US" sz="4600" dirty="0" smtClean="0">
-                <a:solidFill>
-                  <a:schemeClr val="bg1"/>
-                </a:solidFill>
-                <a:latin typeface="Avenir Next Medium"/>
-                <a:cs typeface="Avenir Next Medium"/>
-              </a:rPr>
-              <a:t>Ameya Acharya, Steven </a:t>
-            </a:r>
-            <a:r>
-              <a:rPr lang="en-US" sz="4600" dirty="0" err="1" smtClean="0">
-                <a:solidFill>
-                  <a:schemeClr val="bg1"/>
-                </a:solidFill>
-                <a:latin typeface="Avenir Next Medium"/>
-                <a:cs typeface="Avenir Next Medium"/>
-              </a:rPr>
-              <a:t>Dourmashkin</a:t>
-            </a:r>
-            <a:r>
-              <a:rPr lang="en-US" sz="4600" dirty="0" smtClean="0">
-                <a:solidFill>
-                  <a:schemeClr val="bg1"/>
-                </a:solidFill>
-                <a:latin typeface="Avenir Next Medium"/>
-                <a:cs typeface="Avenir Next Medium"/>
-              </a:rPr>
-              <a:t>, Shane Moore</a:t>
-            </a:r>
-            <a:endParaRPr lang="en-US" sz="4600" dirty="0">
-              <a:solidFill>
-                <a:schemeClr val="bg1"/>
-              </a:solidFill>
-              <a:latin typeface="Avenir Next Medium"/>
-              <a:cs typeface="Avenir Next Medium"/>
-            </a:endParaRPr>
+              <a:rPr lang="en-US" sz="4800" b="1" dirty="0" err="1" smtClean="0"/>
+              <a:t>Emre</a:t>
+            </a:r>
+            <a:r>
+              <a:rPr lang="en-US" sz="4800" b="1" dirty="0" smtClean="0"/>
+              <a:t> </a:t>
+            </a:r>
+            <a:r>
+              <a:rPr lang="en-US" sz="4800" b="1" dirty="0" err="1" smtClean="0"/>
+              <a:t>Fındık</a:t>
+            </a:r>
+            <a:r>
+              <a:rPr lang="en-US" sz="4800" b="1" dirty="0" smtClean="0"/>
+              <a:t>, Shane Moore, Joseph Vinegrad, Zachary Zimmerman</a:t>
+            </a:r>
+            <a:endParaRPr lang="en-US" sz="4800" b="1" dirty="0" smtClean="0"/>
           </a:p>
         </p:txBody>
       </p:sp>
@@ -3093,7 +3085,7 @@
         <p:spPr bwMode="auto">
           <a:xfrm>
             <a:off x="731837" y="7147719"/>
-            <a:ext cx="13716000" cy="6937697"/>
+            <a:ext cx="13716000" cy="9707687"/>
           </a:xfrm>
           <a:prstGeom prst="rect">
             <a:avLst/>
@@ -3211,28 +3203,24 @@
           <a:p>
             <a:pPr eaLnBrk="1" hangingPunct="1"/>
             <a:r>
-              <a:rPr lang="en-US" sz="3600" dirty="0"/>
-              <a:t>Our </a:t>
-            </a:r>
-            <a:r>
-              <a:rPr lang="en-US" sz="3600" b="1" dirty="0"/>
-              <a:t>social networks </a:t>
-            </a:r>
-            <a:r>
-              <a:rPr lang="en-US" sz="3600" dirty="0"/>
-              <a:t>are constantly growing and there is no good way to </a:t>
-            </a:r>
-            <a:r>
-              <a:rPr lang="en-US" sz="3600" b="1" dirty="0"/>
-              <a:t>organize</a:t>
-            </a:r>
-            <a:r>
-              <a:rPr lang="en-US" sz="3600" dirty="0"/>
-              <a:t> them</a:t>
-            </a:r>
-            <a:r>
               <a:rPr lang="en-US" sz="3600" dirty="0" smtClean="0"/>
-              <a:t>.</a:t>
+              <a:t>We find that the typical music visualization does fine at looking good alongside the music, but fails to go beyond and provide actual interpretation or insight into the song.</a:t>
+            </a:r>
+            <a:r>
+              <a:rPr lang="en-US" sz="3600" dirty="0" smtClean="0"/>
+              <a:t> </a:t>
+            </a:r>
+            <a:r>
+              <a:rPr lang="en-US" sz="3600" dirty="0" smtClean="0"/>
+              <a:t>The goal of our project is to create a </a:t>
+            </a:r>
+            <a:r>
+              <a:rPr lang="en-US" sz="3600" dirty="0" err="1" smtClean="0"/>
+              <a:t>visualizer</a:t>
+            </a:r>
+            <a:r>
+              <a:rPr lang="en-US" sz="3600" dirty="0" smtClean="0"/>
+              <a:t> that accurately represents the characteristics of music. </a:t>
             </a:r>
           </a:p>
           <a:p>
@@ -3243,7 +3231,7 @@
             <a:pPr eaLnBrk="1" hangingPunct="1"/>
             <a:r>
               <a:rPr lang="en-US" sz="3600" dirty="0" smtClean="0"/>
-              <a:t>Current options are to:</a:t>
+              <a:t>The main question we set out to answer are:</a:t>
             </a:r>
           </a:p>
           <a:p>
@@ -3251,56 +3239,59 @@
             <a:endParaRPr lang="en-US" sz="3600" dirty="0" smtClean="0"/>
           </a:p>
           <a:p>
-            <a:pPr marL="457200" indent="-457200" eaLnBrk="1" hangingPunct="1">
-              <a:buFont typeface="Arial"/>
-              <a:buChar char="•"/>
+            <a:pPr marL="742950" indent="-742950" eaLnBrk="1" hangingPunct="1">
+              <a:buAutoNum type="arabicParenBoth"/>
             </a:pPr>
             <a:r>
               <a:rPr lang="en-US" sz="3600" dirty="0" smtClean="0"/>
-              <a:t>Manually </a:t>
-            </a:r>
-            <a:r>
-              <a:rPr lang="en-US" sz="3600" dirty="0"/>
-              <a:t>sort connections into </a:t>
+              <a:t>What shapes/surfaces should we use to model our </a:t>
+            </a:r>
+            <a:r>
+              <a:rPr lang="en-US" sz="3600" dirty="0" err="1" smtClean="0"/>
+              <a:t>visualizer</a:t>
             </a:r>
             <a:r>
               <a:rPr lang="en-US" sz="3600" dirty="0" smtClean="0"/>
-              <a:t>circles. </a:t>
-            </a:r>
-          </a:p>
-          <a:p>
-            <a:pPr marL="457200" indent="-457200" eaLnBrk="1" hangingPunct="1">
-              <a:buFont typeface="Arial"/>
-              <a:buChar char="•"/>
+              <a:t>?</a:t>
+            </a:r>
+          </a:p>
+          <a:p>
+            <a:pPr marL="742950" indent="-742950" eaLnBrk="1" hangingPunct="1"/>
+            <a:endParaRPr lang="en-US" sz="3600" dirty="0" smtClean="0"/>
+          </a:p>
+          <a:p>
+            <a:pPr marL="742950" indent="-742950" eaLnBrk="1" hangingPunct="1">
+              <a:buAutoNum type="arabicParenBoth"/>
             </a:pPr>
             <a:r>
               <a:rPr lang="en-US" sz="3600" dirty="0" smtClean="0"/>
-              <a:t>Select friends </a:t>
-            </a:r>
-            <a:r>
-              <a:rPr lang="en-US" sz="3600" dirty="0"/>
-              <a:t>that share one feature (e.g., university or hometown</a:t>
-            </a:r>
+              <a:t>How can we use animation to represent features of a song?</a:t>
+            </a:r>
+          </a:p>
+          <a:p>
+            <a:pPr marL="742950" indent="-742950" eaLnBrk="1" hangingPunct="1"/>
+            <a:endParaRPr lang="en-US" sz="3600" dirty="0" smtClean="0"/>
+          </a:p>
+          <a:p>
+            <a:pPr marL="742950" indent="-742950" eaLnBrk="1" hangingPunct="1">
+              <a:buAutoNum type="arabicParenBoth"/>
+            </a:pPr>
             <a:r>
               <a:rPr lang="en-US" sz="3600" dirty="0" smtClean="0"/>
-              <a:t>). </a:t>
+              <a:t>What features of a song should we consider?</a:t>
             </a:r>
           </a:p>
           <a:p>
             <a:pPr eaLnBrk="1" hangingPunct="1"/>
-            <a:endParaRPr lang="en-US" sz="3600" dirty="0"/>
+            <a:endParaRPr lang="en-US" sz="3600" dirty="0" smtClean="0"/>
           </a:p>
           <a:p>
             <a:pPr eaLnBrk="1" hangingPunct="1"/>
-            <a:r>
-              <a:rPr lang="en-US" sz="3600" dirty="0"/>
-              <a:t>Identifying social circles is important for both users and social networking </a:t>
-            </a:r>
-            <a:r>
-              <a:rPr lang="en-US" sz="3600" dirty="0" smtClean="0"/>
-              <a:t>sites.</a:t>
-            </a:r>
-            <a:endParaRPr lang="en-US" sz="3600" dirty="0"/>
+            <a:endParaRPr lang="en-US" sz="3600" dirty="0" smtClean="0"/>
+          </a:p>
+          <a:p>
+            <a:pPr eaLnBrk="1" hangingPunct="1"/>
+            <a:endParaRPr lang="en-US" sz="3600" dirty="0" smtClean="0"/>
           </a:p>
           <a:p>
             <a:pPr eaLnBrk="1" hangingPunct="1"/>
@@ -3361,7 +3352,7 @@
                 <a:latin typeface="Arial"/>
                 <a:cs typeface="Avenir Next Medium"/>
               </a:rPr>
-              <a:t>Motivation</a:t>
+              <a:t>Overview</a:t>
             </a:r>
             <a:endParaRPr lang="en-US" sz="5400" b="1" i="1" dirty="0">
               <a:solidFill>
@@ -3426,7 +3417,7 @@
                 <a:latin typeface="Arial"/>
                 <a:cs typeface="Arial"/>
               </a:rPr>
-              <a:t>Research Questions</a:t>
+              <a:t>Implementation/Software Design</a:t>
             </a:r>
             <a:endParaRPr lang="en-US" sz="5400" b="1" i="1" dirty="0">
               <a:solidFill>
@@ -3440,7 +3431,7 @@
       </p:sp>
       <p:sp>
         <p:nvSpPr>
-          <p:cNvPr id="13" name="Text Box 192"/>
+          <p:cNvPr id="11" name="Text Box 190"/>
           <p:cNvSpPr txBox="1">
             <a:spLocks noChangeArrowheads="1"/>
           </p:cNvSpPr>
@@ -3448,8 +3439,8 @@
         </p:nvSpPr>
         <p:spPr bwMode="auto">
           <a:xfrm>
-            <a:off x="15514637" y="7147719"/>
-            <a:ext cx="14173200" cy="3675264"/>
+            <a:off x="808037" y="24445119"/>
+            <a:ext cx="13639800" cy="4229262"/>
           </a:xfrm>
           <a:prstGeom prst="rect">
             <a:avLst/>
@@ -3565,302 +3556,41 @@
             </a:lvl9pPr>
           </a:lstStyle>
           <a:p>
-            <a:r>
-              <a:rPr lang="en-US" sz="3600" b="1" dirty="0" smtClean="0"/>
-              <a:t>Divisive</a:t>
-            </a:r>
+            <a:pPr eaLnBrk="1" hangingPunct="1"/>
             <a:r>
               <a:rPr lang="en-US" sz="3600" dirty="0" smtClean="0"/>
-              <a:t> algorithm</a:t>
-            </a:r>
-          </a:p>
-          <a:p>
-            <a:pPr marL="1200150" lvl="1" indent="-457200">
-              <a:buFont typeface="Arial"/>
-              <a:buChar char="•"/>
-            </a:pPr>
-            <a:r>
-              <a:rPr lang="en-US" sz="3600" dirty="0" smtClean="0"/>
-              <a:t>Calculate </a:t>
-            </a:r>
-            <a:r>
-              <a:rPr lang="en-US" sz="3600" b="1" dirty="0" err="1"/>
-              <a:t>b</a:t>
-            </a:r>
-            <a:r>
-              <a:rPr lang="en-US" sz="3600" b="1" dirty="0" err="1" smtClean="0"/>
-              <a:t>etweenness</a:t>
-            </a:r>
-            <a:endParaRPr lang="en-US" sz="3600" b="1" dirty="0" smtClean="0"/>
-          </a:p>
-          <a:p>
-            <a:pPr marL="1600200" lvl="2" indent="-457200">
-              <a:buFont typeface="Arial"/>
-              <a:buChar char="•"/>
-            </a:pPr>
-            <a:r>
-              <a:rPr lang="en-US" sz="3600" dirty="0" smtClean="0"/>
-              <a:t>At each step, we remove the edges that connect </a:t>
-            </a:r>
-            <a:r>
-              <a:rPr lang="en-US" sz="3600" dirty="0"/>
-              <a:t>many other pairs of </a:t>
-            </a:r>
-            <a:r>
-              <a:rPr lang="en-US" sz="3600" dirty="0" smtClean="0"/>
-              <a:t>vertices (i.e. high </a:t>
-            </a:r>
-            <a:r>
-              <a:rPr lang="en-US" sz="3600" dirty="0" err="1" smtClean="0"/>
-              <a:t>betweenness</a:t>
-            </a:r>
-            <a:r>
-              <a:rPr lang="en-US" sz="3600" dirty="0" smtClean="0"/>
-              <a:t>).</a:t>
-            </a:r>
-          </a:p>
-          <a:p>
-            <a:pPr marL="1200150" lvl="1" indent="-457200">
-              <a:buFont typeface="Arial"/>
-              <a:buChar char="•"/>
-            </a:pPr>
-            <a:r>
-              <a:rPr lang="en-US" sz="3600" dirty="0" smtClean="0"/>
-              <a:t>Form </a:t>
-            </a:r>
-            <a:r>
-              <a:rPr lang="en-US" sz="3600" b="1" dirty="0" err="1" smtClean="0"/>
-              <a:t>dendrogram</a:t>
-            </a:r>
-            <a:endParaRPr lang="en-US" sz="3600" b="1" dirty="0" smtClean="0"/>
-          </a:p>
-          <a:p>
-            <a:pPr marL="1600200" lvl="2" indent="-457200">
-              <a:buFont typeface="Arial"/>
-              <a:buChar char="•"/>
-            </a:pPr>
-            <a:r>
-              <a:rPr lang="en-US" sz="3600" dirty="0" smtClean="0"/>
-              <a:t>Choose the optimal level of splits by computing </a:t>
-            </a:r>
-            <a:r>
-              <a:rPr lang="en-US" sz="3600" b="1" dirty="0" smtClean="0"/>
-              <a:t>modularity.</a:t>
-            </a:r>
-          </a:p>
-        </p:txBody>
-      </p:sp>
-      <p:sp>
-        <p:nvSpPr>
-          <p:cNvPr id="11" name="Text Box 190"/>
-          <p:cNvSpPr txBox="1">
-            <a:spLocks noChangeArrowheads="1"/>
-          </p:cNvSpPr>
-          <p:nvPr/>
-        </p:nvSpPr>
-        <p:spPr bwMode="auto">
-          <a:xfrm>
-            <a:off x="808037" y="24445119"/>
-            <a:ext cx="13639800" cy="4783260"/>
-          </a:xfrm>
-          <a:prstGeom prst="rect">
-            <a:avLst/>
-          </a:prstGeom>
-          <a:solidFill>
-            <a:schemeClr val="bg1"/>
-          </a:solidFill>
-          <a:ln w="12700">
-            <a:noFill/>
-          </a:ln>
-          <a:effectLst/>
-        </p:spPr>
-        <p:txBody>
-          <a:bodyPr wrap="square" lIns="173940" tIns="173940" rIns="173940" bIns="173940">
-            <a:spAutoFit/>
-          </a:bodyPr>
-          <a:lstStyle>
-            <a:lvl1pPr eaLnBrk="0" hangingPunct="0">
-              <a:defRPr sz="2200">
-                <a:solidFill>
-                  <a:schemeClr val="tx1"/>
-                </a:solidFill>
-                <a:latin typeface="Arial" charset="0"/>
-              </a:defRPr>
-            </a:lvl1pPr>
-            <a:lvl2pPr marL="742950" indent="-285750" eaLnBrk="0" hangingPunct="0">
-              <a:defRPr sz="2200">
-                <a:solidFill>
-                  <a:schemeClr val="tx1"/>
-                </a:solidFill>
-                <a:latin typeface="Arial" charset="0"/>
-              </a:defRPr>
-            </a:lvl2pPr>
-            <a:lvl3pPr marL="1143000" indent="-228600" eaLnBrk="0" hangingPunct="0">
-              <a:defRPr sz="2200">
-                <a:solidFill>
-                  <a:schemeClr val="tx1"/>
-                </a:solidFill>
-                <a:latin typeface="Arial" charset="0"/>
-              </a:defRPr>
-            </a:lvl3pPr>
-            <a:lvl4pPr marL="1600200" indent="-228600" eaLnBrk="0" hangingPunct="0">
-              <a:defRPr sz="2200">
-                <a:solidFill>
-                  <a:schemeClr val="tx1"/>
-                </a:solidFill>
-                <a:latin typeface="Arial" charset="0"/>
-              </a:defRPr>
-            </a:lvl4pPr>
-            <a:lvl5pPr marL="2057400" indent="-228600" eaLnBrk="0" hangingPunct="0">
-              <a:defRPr sz="2200">
-                <a:solidFill>
-                  <a:schemeClr val="tx1"/>
-                </a:solidFill>
-                <a:latin typeface="Arial" charset="0"/>
-              </a:defRPr>
-            </a:lvl5pPr>
-            <a:lvl6pPr marL="2514600" indent="-228600" eaLnBrk="0" fontAlgn="base" hangingPunct="0">
-              <a:spcBef>
-                <a:spcPct val="0"/>
-              </a:spcBef>
-              <a:spcAft>
-                <a:spcPct val="0"/>
-              </a:spcAft>
-              <a:defRPr sz="2200">
-                <a:solidFill>
-                  <a:schemeClr val="tx1"/>
-                </a:solidFill>
-                <a:latin typeface="Arial" charset="0"/>
-              </a:defRPr>
-            </a:lvl6pPr>
-            <a:lvl7pPr marL="2971800" indent="-228600" eaLnBrk="0" fontAlgn="base" hangingPunct="0">
-              <a:spcBef>
-                <a:spcPct val="0"/>
-              </a:spcBef>
-              <a:spcAft>
-                <a:spcPct val="0"/>
-              </a:spcAft>
-              <a:defRPr sz="2200">
-                <a:solidFill>
-                  <a:schemeClr val="tx1"/>
-                </a:solidFill>
-                <a:latin typeface="Arial" charset="0"/>
-              </a:defRPr>
-            </a:lvl7pPr>
-            <a:lvl8pPr marL="3429000" indent="-228600" eaLnBrk="0" fontAlgn="base" hangingPunct="0">
-              <a:spcBef>
-                <a:spcPct val="0"/>
-              </a:spcBef>
-              <a:spcAft>
-                <a:spcPct val="0"/>
-              </a:spcAft>
-              <a:defRPr sz="2200">
-                <a:solidFill>
-                  <a:schemeClr val="tx1"/>
-                </a:solidFill>
-                <a:latin typeface="Arial" charset="0"/>
-              </a:defRPr>
-            </a:lvl8pPr>
-            <a:lvl9pPr marL="3886200" indent="-228600" eaLnBrk="0" fontAlgn="base" hangingPunct="0">
-              <a:spcBef>
-                <a:spcPct val="0"/>
-              </a:spcBef>
-              <a:spcAft>
-                <a:spcPct val="0"/>
-              </a:spcAft>
-              <a:defRPr sz="2200">
-                <a:solidFill>
-                  <a:schemeClr val="tx1"/>
-                </a:solidFill>
-                <a:latin typeface="Arial" charset="0"/>
-              </a:defRPr>
-            </a:lvl9pPr>
-          </a:lstStyle>
-          <a:p>
-            <a:pPr eaLnBrk="1" hangingPunct="1"/>
-            <a:r>
-              <a:rPr lang="en-US" sz="3600" dirty="0" smtClean="0"/>
-              <a:t>An </a:t>
-            </a:r>
-            <a:r>
-              <a:rPr lang="en-US" sz="3600" b="1" i="1" dirty="0"/>
-              <a:t>e</a:t>
-            </a:r>
-            <a:r>
-              <a:rPr lang="en-US" sz="3600" b="1" i="1" dirty="0" smtClean="0"/>
-              <a:t>go network</a:t>
-            </a:r>
-            <a:r>
-              <a:rPr lang="en-US" sz="3600" i="1" dirty="0" smtClean="0"/>
-              <a:t> </a:t>
-            </a:r>
-            <a:r>
-              <a:rPr lang="en-US" sz="3600" dirty="0" smtClean="0"/>
-              <a:t>is a user’s direct </a:t>
-            </a:r>
-            <a:r>
-              <a:rPr lang="en-US" sz="3600" dirty="0"/>
-              <a:t>friends, and any connections between these friends. </a:t>
-            </a:r>
-            <a:endParaRPr lang="en-US" sz="3600" dirty="0" smtClean="0"/>
+              <a:t>Our codebase is divided into two main parts:</a:t>
+            </a:r>
           </a:p>
           <a:p>
             <a:pPr eaLnBrk="1" hangingPunct="1"/>
             <a:endParaRPr lang="en-US" sz="3600" dirty="0" smtClean="0"/>
           </a:p>
           <a:p>
-            <a:pPr eaLnBrk="1" hangingPunct="1"/>
+            <a:pPr marL="742950" indent="-742950" eaLnBrk="1" hangingPunct="1">
+              <a:buAutoNum type="arabicParenBoth"/>
+            </a:pPr>
             <a:r>
               <a:rPr lang="en-US" sz="3600" dirty="0" smtClean="0"/>
-              <a:t>A </a:t>
-            </a:r>
-            <a:r>
-              <a:rPr lang="en-US" sz="3600" b="1" i="1" dirty="0" smtClean="0"/>
-              <a:t>social circle </a:t>
-            </a:r>
+              <a:t>Sound Analysis – the specified song file is loaded and various data about features of the song are obtained</a:t>
+            </a:r>
+          </a:p>
+          <a:p>
+            <a:pPr marL="742950" indent="-742950" eaLnBrk="1" hangingPunct="1"/>
+            <a:endParaRPr lang="en-US" sz="3600" dirty="0" smtClean="0"/>
+          </a:p>
+          <a:p>
+            <a:pPr marL="742950" indent="-742950" eaLnBrk="1" hangingPunct="1">
+              <a:buAutoNum type="arabicParenBoth"/>
+            </a:pPr>
             <a:r>
               <a:rPr lang="en-US" sz="3600" dirty="0" smtClean="0"/>
-              <a:t>is </a:t>
-            </a:r>
-            <a:r>
-              <a:rPr lang="en-US" sz="3600" dirty="0"/>
-              <a:t>a </a:t>
+              <a:t>Graphics – data from the sound analysis is used to determine the appearance of the </a:t>
             </a:r>
             <a:r>
               <a:rPr lang="en-US" sz="3600" dirty="0" smtClean="0"/>
-              <a:t>highly-connected subset </a:t>
-            </a:r>
-            <a:r>
-              <a:rPr lang="en-US" sz="3600" dirty="0"/>
-              <a:t>of a user's </a:t>
-            </a:r>
-            <a:r>
-              <a:rPr lang="en-US" sz="3600" dirty="0" smtClean="0"/>
-              <a:t>friends.</a:t>
-            </a:r>
-            <a:endParaRPr lang="en-US" sz="3600" b="1" dirty="0" smtClean="0"/>
-          </a:p>
-          <a:p>
-            <a:pPr eaLnBrk="1" hangingPunct="1"/>
-            <a:endParaRPr lang="en-US" sz="3600" b="1" dirty="0" smtClean="0"/>
-          </a:p>
-          <a:p>
-            <a:pPr eaLnBrk="1" hangingPunct="1"/>
-            <a:r>
-              <a:rPr lang="en-US" sz="3600" dirty="0" smtClean="0"/>
-              <a:t>How can we infer users’ </a:t>
-            </a:r>
-            <a:r>
-              <a:rPr lang="en-US" sz="3600" dirty="0"/>
-              <a:t>social circles based on their ego </a:t>
-            </a:r>
-            <a:r>
-              <a:rPr lang="en-US" sz="3600" dirty="0" smtClean="0"/>
-              <a:t>networks and Facebook profiles?</a:t>
-            </a:r>
-          </a:p>
-          <a:p>
-            <a:pPr eaLnBrk="1" hangingPunct="1"/>
+              <a:t>sphere</a:t>
+            </a:r>
             <a:endParaRPr lang="en-US" sz="3600" dirty="0" smtClean="0"/>
           </a:p>
         </p:txBody>
@@ -3875,8 +3605,8 @@
         </p:nvSpPr>
         <p:spPr bwMode="auto">
           <a:xfrm>
-            <a:off x="884237" y="21854319"/>
-            <a:ext cx="13411200" cy="549484"/>
+            <a:off x="731837" y="21397119"/>
+            <a:ext cx="13411200" cy="1011149"/>
           </a:xfrm>
           <a:prstGeom prst="rect">
             <a:avLst/>
@@ -3888,14 +3618,14 @@
           <a:effectLst/>
           <a:extLst>
             <a:ext uri="{909E8E84-426E-40dd-AFC4-6F175D3DCCD1}">
-              <a14:hiddenFill xmlns:a14="http://schemas.microsoft.com/office/drawing/2010/main">
+              <a14:hiddenFill xmlns:a14="http://schemas.microsoft.com/office/drawing/2010/main" xmlns:p="http://schemas.openxmlformats.org/presentationml/2006/main" xmlns:r="http://schemas.openxmlformats.org/officeDocument/2006/relationships" xmlns:a="http://schemas.openxmlformats.org/drawingml/2006/main" xmlns="">
                 <a:solidFill>
                   <a:schemeClr val="accent1"/>
                 </a:solidFill>
               </a14:hiddenFill>
             </a:ext>
             <a:ext uri="{91240B29-F687-4f45-9708-019B960494DF}">
-              <a14:hiddenLine xmlns:a14="http://schemas.microsoft.com/office/drawing/2010/main" w="9525">
+              <a14:hiddenLine xmlns:a14="http://schemas.microsoft.com/office/drawing/2010/main" xmlns:p="http://schemas.openxmlformats.org/presentationml/2006/main" xmlns:r="http://schemas.openxmlformats.org/officeDocument/2006/relationships" xmlns:a="http://schemas.openxmlformats.org/drawingml/2006/main" xmlns="" w="9525">
                 <a:solidFill>
                   <a:schemeClr val="tx1"/>
                 </a:solidFill>
@@ -3905,7 +3635,7 @@
               </a14:hiddenLine>
             </a:ext>
             <a:ext uri="{AF507438-7753-43e0-B8FC-AC1667EBCBE1}">
-              <a14:hiddenEffects xmlns:a14="http://schemas.microsoft.com/office/drawing/2010/main">
+              <a14:hiddenEffects xmlns:a14="http://schemas.microsoft.com/office/drawing/2010/main" xmlns:p="http://schemas.openxmlformats.org/presentationml/2006/main" xmlns:r="http://schemas.openxmlformats.org/officeDocument/2006/relationships" xmlns:a="http://schemas.openxmlformats.org/drawingml/2006/main" xmlns="">
                 <a:effectLst>
                   <a:outerShdw dist="35921" dir="2700000" algn="ctr" rotWithShape="0">
                     <a:schemeClr val="bg2"/>
@@ -4023,19 +3753,79 @@
               <a:rPr lang="en-US" sz="3000" b="1" dirty="0">
                 <a:latin typeface="Arial"/>
               </a:rPr>
-              <a:t>Figure 1.</a:t>
-            </a:r>
-            <a:r>
-              <a:rPr lang="en-US" sz="3000" dirty="0">
+              <a:t>Figure 1</a:t>
+            </a:r>
+            <a:r>
+              <a:rPr lang="en-US" sz="3000" b="1" dirty="0" smtClean="0">
                 <a:latin typeface="Arial"/>
               </a:rPr>
-              <a:t> </a:t>
+              <a:t>. </a:t>
             </a:r>
             <a:r>
               <a:rPr lang="en-US" sz="3000" dirty="0" smtClean="0">
                 <a:latin typeface="Arial"/>
               </a:rPr>
-              <a:t>An example ego network and division into clusters.</a:t>
+              <a:t>On the left: </a:t>
+            </a:r>
+            <a:r>
+              <a:rPr lang="en-US" sz="3000" dirty="0" smtClean="0">
+                <a:latin typeface="Arial"/>
+              </a:rPr>
+              <a:t>o</a:t>
+            </a:r>
+            <a:r>
+              <a:rPr lang="en-US" sz="3000" dirty="0" smtClean="0">
+                <a:latin typeface="Arial"/>
+              </a:rPr>
+              <a:t>ur </a:t>
+            </a:r>
+            <a:r>
+              <a:rPr lang="en-US" sz="3000" dirty="0" err="1" smtClean="0">
+                <a:latin typeface="Arial"/>
+              </a:rPr>
+              <a:t>visualizer</a:t>
+            </a:r>
+            <a:r>
+              <a:rPr lang="en-US" sz="3000" dirty="0" smtClean="0">
+                <a:latin typeface="Arial"/>
+              </a:rPr>
+              <a:t> at rest </a:t>
+            </a:r>
+            <a:r>
+              <a:rPr lang="en-US" sz="3000" dirty="0" smtClean="0">
+                <a:latin typeface="Arial"/>
+              </a:rPr>
+              <a:t>(no music).</a:t>
+            </a:r>
+            <a:r>
+              <a:rPr lang="en-US" sz="3000" dirty="0" smtClean="0">
+                <a:latin typeface="Arial"/>
+              </a:rPr>
+              <a:t> On the right:</a:t>
+            </a:r>
+            <a:r>
+              <a:rPr lang="en-US" sz="3000" dirty="0" smtClean="0">
+                <a:latin typeface="Arial"/>
+              </a:rPr>
+              <a:t> our </a:t>
+            </a:r>
+            <a:r>
+              <a:rPr lang="en-US" sz="3000" dirty="0" err="1" smtClean="0">
+                <a:latin typeface="Arial"/>
+              </a:rPr>
+              <a:t>visualizer</a:t>
+            </a:r>
+            <a:r>
+              <a:rPr lang="en-US" sz="3000" dirty="0" smtClean="0">
+                <a:latin typeface="Arial"/>
+              </a:rPr>
+              <a:t> at work!</a:t>
+            </a:r>
+            <a:r>
+              <a:rPr lang="en-US" sz="3000" dirty="0" smtClean="0">
+                <a:latin typeface="Arial"/>
+              </a:rPr>
+              <a:t> </a:t>
             </a:r>
             <a:endParaRPr lang="en-US" sz="3000" dirty="0">
               <a:latin typeface="Arial"/>
@@ -4066,14 +3856,14 @@
           <a:effectLst/>
           <a:extLst>
             <a:ext uri="{909E8E84-426E-40dd-AFC4-6F175D3DCCD1}">
-              <a14:hiddenFill xmlns:a14="http://schemas.microsoft.com/office/drawing/2010/main">
+              <a14:hiddenFill xmlns:a14="http://schemas.microsoft.com/office/drawing/2010/main" xmlns:p="http://schemas.openxmlformats.org/presentationml/2006/main" xmlns:r="http://schemas.openxmlformats.org/officeDocument/2006/relationships" xmlns:a="http://schemas.openxmlformats.org/drawingml/2006/main" xmlns="">
                 <a:solidFill>
                   <a:schemeClr val="accent1"/>
                 </a:solidFill>
               </a14:hiddenFill>
             </a:ext>
             <a:ext uri="{91240B29-F687-4f45-9708-019B960494DF}">
-              <a14:hiddenLine xmlns:a14="http://schemas.microsoft.com/office/drawing/2010/main" w="9525">
+              <a14:hiddenLine xmlns:a14="http://schemas.microsoft.com/office/drawing/2010/main" xmlns:p="http://schemas.openxmlformats.org/presentationml/2006/main" xmlns:r="http://schemas.openxmlformats.org/officeDocument/2006/relationships" xmlns:a="http://schemas.openxmlformats.org/drawingml/2006/main" xmlns="" w="9525">
                 <a:solidFill>
                   <a:schemeClr val="tx1"/>
                 </a:solidFill>
@@ -4083,7 +3873,7 @@
               </a14:hiddenLine>
             </a:ext>
             <a:ext uri="{AF507438-7753-43e0-B8FC-AC1667EBCBE1}">
-              <a14:hiddenEffects xmlns:a14="http://schemas.microsoft.com/office/drawing/2010/main">
+              <a14:hiddenEffects xmlns:a14="http://schemas.microsoft.com/office/drawing/2010/main" xmlns:p="http://schemas.openxmlformats.org/presentationml/2006/main" xmlns:r="http://schemas.openxmlformats.org/officeDocument/2006/relationships" xmlns:a="http://schemas.openxmlformats.org/drawingml/2006/main" xmlns="">
                 <a:effectLst>
                   <a:outerShdw dist="35921" dir="2700000" algn="ctr" rotWithShape="0">
                     <a:schemeClr val="bg2"/>
@@ -4224,7 +4014,7 @@
           <a:blip r:embed="rId2">
             <a:extLst>
               <a:ext uri="{28A0092B-C50C-407E-A947-70E740481C1C}">
-                <a14:useLocalDpi xmlns:a14="http://schemas.microsoft.com/office/drawing/2010/main" val="0"/>
+                <a14:useLocalDpi xmlns:a14="http://schemas.microsoft.com/office/drawing/2010/main" xmlns:p="http://schemas.openxmlformats.org/presentationml/2006/main" xmlns:r="http://schemas.openxmlformats.org/officeDocument/2006/relationships" xmlns:a="http://schemas.openxmlformats.org/drawingml/2006/main" xmlns="" val="0"/>
               </a:ext>
             </a:extLst>
           </a:blip>
@@ -4254,7 +4044,7 @@
           <a:blip r:embed="rId2">
             <a:extLst>
               <a:ext uri="{28A0092B-C50C-407E-A947-70E740481C1C}">
-                <a14:useLocalDpi xmlns:a14="http://schemas.microsoft.com/office/drawing/2010/main" val="0"/>
+                <a14:useLocalDpi xmlns:a14="http://schemas.microsoft.com/office/drawing/2010/main" xmlns:p="http://schemas.openxmlformats.org/presentationml/2006/main" xmlns:r="http://schemas.openxmlformats.org/officeDocument/2006/relationships" xmlns:a="http://schemas.openxmlformats.org/drawingml/2006/main" xmlns="" val="0"/>
               </a:ext>
             </a:extLst>
           </a:blip>
@@ -4272,64 +4062,6 @@
           </a:prstGeom>
         </p:spPr>
       </p:pic>
-      <p:sp>
-        <p:nvSpPr>
-          <p:cNvPr id="20" name="TextBox 19"/>
-          <p:cNvSpPr txBox="1"/>
-          <p:nvPr/>
-        </p:nvSpPr>
-        <p:spPr>
-          <a:xfrm>
-            <a:off x="16429037" y="4709319"/>
-            <a:ext cx="13838239" cy="492443"/>
-          </a:xfrm>
-          <a:prstGeom prst="rect">
-            <a:avLst/>
-          </a:prstGeom>
-          <a:noFill/>
-        </p:spPr>
-        <p:txBody>
-          <a:bodyPr wrap="square" rtlCol="0">
-            <a:spAutoFit/>
-          </a:bodyPr>
-          <a:lstStyle/>
-          <a:p>
-            <a:r>
-              <a:rPr lang="en-US" sz="2600" dirty="0" smtClean="0">
-                <a:solidFill>
-                  <a:schemeClr val="bg1"/>
-                </a:solidFill>
-                <a:latin typeface="Arial"/>
-              </a:rPr>
-              <a:t>Modeled off </a:t>
-            </a:r>
-            <a:r>
-              <a:rPr lang="en-US" sz="2600" i="1" dirty="0" smtClean="0">
-                <a:solidFill>
-                  <a:schemeClr val="bg1"/>
-                </a:solidFill>
-                <a:latin typeface="Arial"/>
-              </a:rPr>
-              <a:t>Finding and evaluating community structure in </a:t>
-            </a:r>
-            <a:r>
-              <a:rPr lang="en-US" sz="2600" dirty="0" smtClean="0">
-                <a:solidFill>
-                  <a:schemeClr val="bg1"/>
-                </a:solidFill>
-                <a:latin typeface="Arial"/>
-              </a:rPr>
-              <a:t>networks: Newman, Girvan, 2003.</a:t>
-            </a:r>
-            <a:endParaRPr lang="en-US" sz="2600" dirty="0">
-              <a:solidFill>
-                <a:schemeClr val="bg1"/>
-              </a:solidFill>
-              <a:latin typeface="Arial"/>
-            </a:endParaRPr>
-          </a:p>
-        </p:txBody>
-      </p:sp>
       <p:pic>
         <p:nvPicPr>
           <p:cNvPr id="22" name="Picture 21" descr="betweenness.png"/>
@@ -4342,7 +4074,7 @@
           <a:blip r:embed="rId3">
             <a:extLst>
               <a:ext uri="{28A0092B-C50C-407E-A947-70E740481C1C}">
-                <a14:useLocalDpi xmlns:a14="http://schemas.microsoft.com/office/drawing/2010/main" val="0"/>
+                <a14:useLocalDpi xmlns:a14="http://schemas.microsoft.com/office/drawing/2010/main" xmlns:p="http://schemas.openxmlformats.org/presentationml/2006/main" xmlns:r="http://schemas.openxmlformats.org/officeDocument/2006/relationships" xmlns:a="http://schemas.openxmlformats.org/drawingml/2006/main" xmlns="" val="0"/>
               </a:ext>
             </a:extLst>
           </a:blip>
@@ -4360,256 +4092,6 @@
           </a:prstGeom>
         </p:spPr>
       </p:pic>
-      <p:pic>
-        <p:nvPicPr>
-          <p:cNvPr id="28" name="Picture 27" descr="Dendrogram_Modularity.png"/>
-          <p:cNvPicPr>
-            <a:picLocks noChangeAspect="1"/>
-          </p:cNvPicPr>
-          <p:nvPr/>
-        </p:nvPicPr>
-        <p:blipFill>
-          <a:blip r:embed="rId4">
-            <a:extLst>
-              <a:ext uri="{28A0092B-C50C-407E-A947-70E740481C1C}">
-                <a14:useLocalDpi xmlns:a14="http://schemas.microsoft.com/office/drawing/2010/main" val="0"/>
-              </a:ext>
-            </a:extLst>
-          </a:blip>
-          <a:stretch>
-            <a:fillRect/>
-          </a:stretch>
-        </p:blipFill>
-        <p:spPr>
-          <a:xfrm>
-            <a:off x="17953037" y="10576719"/>
-            <a:ext cx="8077200" cy="6057900"/>
-          </a:xfrm>
-          <a:prstGeom prst="rect">
-            <a:avLst/>
-          </a:prstGeom>
-        </p:spPr>
-      </p:pic>
-      <p:sp>
-        <p:nvSpPr>
-          <p:cNvPr id="54" name="Text Box 180"/>
-          <p:cNvSpPr txBox="1">
-            <a:spLocks noChangeArrowheads="1"/>
-          </p:cNvSpPr>
-          <p:nvPr/>
-        </p:nvSpPr>
-        <p:spPr bwMode="auto">
-          <a:xfrm>
-            <a:off x="960437" y="35646519"/>
-            <a:ext cx="13411200" cy="1011149"/>
-          </a:xfrm>
-          <a:prstGeom prst="rect">
-            <a:avLst/>
-          </a:prstGeom>
-          <a:noFill/>
-          <a:ln>
-            <a:noFill/>
-          </a:ln>
-          <a:effectLst/>
-          <a:extLst>
-            <a:ext uri="{909E8E84-426E-40dd-AFC4-6F175D3DCCD1}">
-              <a14:hiddenFill xmlns:a14="http://schemas.microsoft.com/office/drawing/2010/main">
-                <a:solidFill>
-                  <a:schemeClr val="accent1"/>
-                </a:solidFill>
-              </a14:hiddenFill>
-            </a:ext>
-            <a:ext uri="{91240B29-F687-4f45-9708-019B960494DF}">
-              <a14:hiddenLine xmlns:a14="http://schemas.microsoft.com/office/drawing/2010/main" w="9525">
-                <a:solidFill>
-                  <a:schemeClr val="tx1"/>
-                </a:solidFill>
-                <a:miter lim="800000"/>
-                <a:headEnd/>
-                <a:tailEnd/>
-              </a14:hiddenLine>
-            </a:ext>
-            <a:ext uri="{AF507438-7753-43e0-B8FC-AC1667EBCBE1}">
-              <a14:hiddenEffects xmlns:a14="http://schemas.microsoft.com/office/drawing/2010/main">
-                <a:effectLst>
-                  <a:outerShdw dist="35921" dir="2700000" algn="ctr" rotWithShape="0">
-                    <a:schemeClr val="bg2"/>
-                  </a:outerShdw>
-                </a:effectLst>
-              </a14:hiddenEffects>
-            </a:ext>
-          </a:extLst>
-        </p:spPr>
-        <p:txBody>
-          <a:bodyPr wrap="square" lIns="86970" tIns="43485" rIns="86970" bIns="43485">
-            <a:spAutoFit/>
-          </a:bodyPr>
-          <a:lstStyle>
-            <a:lvl1pPr defTabSz="4389438" eaLnBrk="0" hangingPunct="0">
-              <a:defRPr sz="2200">
-                <a:solidFill>
-                  <a:schemeClr val="tx1"/>
-                </a:solidFill>
-                <a:latin typeface="Arial" charset="0"/>
-              </a:defRPr>
-            </a:lvl1pPr>
-            <a:lvl2pPr marL="742950" indent="-285750" defTabSz="4389438" eaLnBrk="0" hangingPunct="0">
-              <a:defRPr sz="2200">
-                <a:solidFill>
-                  <a:schemeClr val="tx1"/>
-                </a:solidFill>
-                <a:latin typeface="Arial" charset="0"/>
-              </a:defRPr>
-            </a:lvl2pPr>
-            <a:lvl3pPr marL="1143000" indent="-228600" defTabSz="4389438" eaLnBrk="0" hangingPunct="0">
-              <a:defRPr sz="2200">
-                <a:solidFill>
-                  <a:schemeClr val="tx1"/>
-                </a:solidFill>
-                <a:latin typeface="Arial" charset="0"/>
-              </a:defRPr>
-            </a:lvl3pPr>
-            <a:lvl4pPr marL="1600200" indent="-228600" defTabSz="4389438" eaLnBrk="0" hangingPunct="0">
-              <a:defRPr sz="2200">
-                <a:solidFill>
-                  <a:schemeClr val="tx1"/>
-                </a:solidFill>
-                <a:latin typeface="Arial" charset="0"/>
-              </a:defRPr>
-            </a:lvl4pPr>
-            <a:lvl5pPr marL="2057400" indent="-228600" defTabSz="4389438" eaLnBrk="0" hangingPunct="0">
-              <a:defRPr sz="2200">
-                <a:solidFill>
-                  <a:schemeClr val="tx1"/>
-                </a:solidFill>
-                <a:latin typeface="Arial" charset="0"/>
-              </a:defRPr>
-            </a:lvl5pPr>
-            <a:lvl6pPr marL="2514600" indent="-228600" defTabSz="4389438" eaLnBrk="0" fontAlgn="base" hangingPunct="0">
-              <a:spcBef>
-                <a:spcPct val="0"/>
-              </a:spcBef>
-              <a:spcAft>
-                <a:spcPct val="0"/>
-              </a:spcAft>
-              <a:defRPr sz="2200">
-                <a:solidFill>
-                  <a:schemeClr val="tx1"/>
-                </a:solidFill>
-                <a:latin typeface="Arial" charset="0"/>
-              </a:defRPr>
-            </a:lvl6pPr>
-            <a:lvl7pPr marL="2971800" indent="-228600" defTabSz="4389438" eaLnBrk="0" fontAlgn="base" hangingPunct="0">
-              <a:spcBef>
-                <a:spcPct val="0"/>
-              </a:spcBef>
-              <a:spcAft>
-                <a:spcPct val="0"/>
-              </a:spcAft>
-              <a:defRPr sz="2200">
-                <a:solidFill>
-                  <a:schemeClr val="tx1"/>
-                </a:solidFill>
-                <a:latin typeface="Arial" charset="0"/>
-              </a:defRPr>
-            </a:lvl7pPr>
-            <a:lvl8pPr marL="3429000" indent="-228600" defTabSz="4389438" eaLnBrk="0" fontAlgn="base" hangingPunct="0">
-              <a:spcBef>
-                <a:spcPct val="0"/>
-              </a:spcBef>
-              <a:spcAft>
-                <a:spcPct val="0"/>
-              </a:spcAft>
-              <a:defRPr sz="2200">
-                <a:solidFill>
-                  <a:schemeClr val="tx1"/>
-                </a:solidFill>
-                <a:latin typeface="Arial" charset="0"/>
-              </a:defRPr>
-            </a:lvl8pPr>
-            <a:lvl9pPr marL="3886200" indent="-228600" defTabSz="4389438" eaLnBrk="0" fontAlgn="base" hangingPunct="0">
-              <a:spcBef>
-                <a:spcPct val="0"/>
-              </a:spcBef>
-              <a:spcAft>
-                <a:spcPct val="0"/>
-              </a:spcAft>
-              <a:defRPr sz="2200">
-                <a:solidFill>
-                  <a:schemeClr val="tx1"/>
-                </a:solidFill>
-                <a:latin typeface="Arial" charset="0"/>
-              </a:defRPr>
-            </a:lvl9pPr>
-          </a:lstStyle>
-          <a:p>
-            <a:pPr eaLnBrk="1" hangingPunct="1"/>
-            <a:r>
-              <a:rPr lang="en-US" sz="3000" b="1" dirty="0">
-                <a:latin typeface="Arial"/>
-              </a:rPr>
-              <a:t>Figure </a:t>
-            </a:r>
-            <a:r>
-              <a:rPr lang="en-US" sz="3000" b="1" dirty="0" smtClean="0">
-                <a:latin typeface="Arial"/>
-              </a:rPr>
-              <a:t>2.</a:t>
-            </a:r>
-            <a:r>
-              <a:rPr lang="en-US" sz="3000" dirty="0">
-                <a:latin typeface="Arial"/>
-              </a:rPr>
-              <a:t> </a:t>
-            </a:r>
-            <a:r>
-              <a:rPr lang="en-US" sz="3000" dirty="0" smtClean="0">
-                <a:latin typeface="Arial"/>
-              </a:rPr>
-              <a:t>An illustration of </a:t>
-            </a:r>
-            <a:r>
-              <a:rPr lang="en-US" sz="3000" dirty="0" err="1" smtClean="0">
-                <a:latin typeface="Arial"/>
-              </a:rPr>
-              <a:t>betweenness</a:t>
-            </a:r>
-            <a:r>
-              <a:rPr lang="en-US" sz="3000" dirty="0" smtClean="0">
-                <a:latin typeface="Arial"/>
-              </a:rPr>
-              <a:t>; colored </a:t>
-            </a:r>
-            <a:r>
-              <a:rPr lang="en-US" sz="3000" dirty="0" smtClean="0">
-                <a:latin typeface="Arial"/>
-              </a:rPr>
-              <a:t>edges have </a:t>
-            </a:r>
-            <a:r>
-              <a:rPr lang="en-US" sz="3000" dirty="0" smtClean="0">
-                <a:latin typeface="Arial"/>
-              </a:rPr>
-              <a:t>higher </a:t>
-            </a:r>
-            <a:r>
-              <a:rPr lang="en-US" sz="3000" dirty="0" err="1" smtClean="0">
-                <a:latin typeface="Arial"/>
-              </a:rPr>
-              <a:t>betweenness</a:t>
-            </a:r>
-            <a:r>
-              <a:rPr lang="en-US" sz="3000" dirty="0" smtClean="0">
-                <a:latin typeface="Arial"/>
-              </a:rPr>
-              <a:t>.</a:t>
-            </a:r>
-            <a:endParaRPr lang="en-US" sz="3000" dirty="0">
-              <a:latin typeface="Arial"/>
-            </a:endParaRPr>
-          </a:p>
-        </p:txBody>
-      </p:sp>
       <p:sp>
         <p:nvSpPr>
           <p:cNvPr id="55" name="Text Box 190"/>
@@ -4620,8 +4102,8 @@
         </p:nvSpPr>
         <p:spPr bwMode="auto">
           <a:xfrm>
-            <a:off x="15743237" y="17891919"/>
-            <a:ext cx="13563600" cy="905275"/>
+            <a:off x="15743237" y="18653919"/>
+            <a:ext cx="13563600" cy="4783260"/>
           </a:xfrm>
           <a:prstGeom prst="rect">
             <a:avLst/>
@@ -4740,13 +4222,68 @@
             <a:pPr eaLnBrk="1" hangingPunct="1"/>
             <a:r>
               <a:rPr lang="en-US" sz="3600" dirty="0" smtClean="0"/>
-              <a:t>Our preliminary approach has reasonable training set </a:t>
+              <a:t>We decided to </a:t>
             </a:r>
             <a:r>
               <a:rPr lang="en-US" sz="3600" dirty="0" smtClean="0"/>
-              <a:t>accuracy.</a:t>
-            </a:r>
+              <a:t>model a single sphere using a triangle mesh in our </a:t>
+            </a:r>
+            <a:r>
+              <a:rPr lang="en-US" sz="3600" dirty="0" err="1" smtClean="0"/>
+              <a:t>visualizer</a:t>
+            </a:r>
+            <a:r>
+              <a:rPr lang="en-US" sz="3600" dirty="0" smtClean="0"/>
+              <a:t>. Animations on the sphere include:</a:t>
+            </a:r>
+          </a:p>
+          <a:p>
+            <a:pPr eaLnBrk="1" hangingPunct="1"/>
             <a:endParaRPr lang="en-US" sz="3600" dirty="0" smtClean="0"/>
+          </a:p>
+          <a:p>
+            <a:pPr lvl="1" eaLnBrk="1" hangingPunct="1">
+              <a:buFont typeface="Arial"/>
+              <a:buChar char="•"/>
+            </a:pPr>
+            <a:r>
+              <a:rPr lang="en-US" sz="3600" dirty="0" smtClean="0"/>
+              <a:t>Radius growth/shrinking</a:t>
+            </a:r>
+          </a:p>
+          <a:p>
+            <a:pPr lvl="1" eaLnBrk="1" hangingPunct="1">
+              <a:buFont typeface="Arial"/>
+              <a:buChar char="•"/>
+            </a:pPr>
+            <a:endParaRPr lang="en-US" sz="3600" dirty="0" smtClean="0"/>
+          </a:p>
+          <a:p>
+            <a:pPr lvl="1" eaLnBrk="1" hangingPunct="1">
+              <a:buFont typeface="Arial"/>
+              <a:buChar char="•"/>
+            </a:pPr>
+            <a:r>
+              <a:rPr lang="en-US" sz="3600" dirty="0" smtClean="0"/>
+              <a:t>Displacement Mapping</a:t>
+            </a:r>
+          </a:p>
+          <a:p>
+            <a:pPr lvl="1" eaLnBrk="1" hangingPunct="1">
+              <a:buFont typeface="Arial"/>
+              <a:buChar char="•"/>
+            </a:pPr>
+            <a:endParaRPr lang="en-US" sz="3600" dirty="0" smtClean="0"/>
+          </a:p>
+          <a:p>
+            <a:pPr lvl="1" eaLnBrk="1" hangingPunct="1">
+              <a:buFont typeface="Arial"/>
+              <a:buChar char="•"/>
+            </a:pPr>
+            <a:r>
+              <a:rPr lang="en-US" sz="3600" dirty="0" smtClean="0"/>
+              <a:t>Vertical Translations </a:t>
+            </a:r>
           </a:p>
         </p:txBody>
       </p:sp>
@@ -4760,8 +4297,8 @@
         </p:nvSpPr>
         <p:spPr bwMode="auto">
           <a:xfrm>
-            <a:off x="15743237" y="31150719"/>
-            <a:ext cx="13487400" cy="8661246"/>
+            <a:off x="15743237" y="32293719"/>
+            <a:ext cx="13487400" cy="6999252"/>
           </a:xfrm>
           <a:prstGeom prst="rect">
             <a:avLst/>
@@ -4880,86 +4417,40 @@
             <a:pPr eaLnBrk="1" hangingPunct="1"/>
             <a:r>
               <a:rPr lang="en-US" sz="3600" dirty="0" smtClean="0"/>
-              <a:t>Our algorithm has fairly </a:t>
-            </a:r>
-            <a:r>
-              <a:rPr lang="en-US" sz="3600" b="1" dirty="0" smtClean="0"/>
-              <a:t>high runtime complexity</a:t>
+              <a:t>Our </a:t>
+            </a:r>
+            <a:r>
+              <a:rPr lang="en-US" sz="3600" dirty="0" err="1" smtClean="0"/>
+              <a:t>visualizer</a:t>
             </a:r>
             <a:r>
               <a:rPr lang="en-US" sz="3600" dirty="0" smtClean="0"/>
-              <a:t>, although this was to be expected. There are still more time optimizations that may be necessary, particularly in calculating </a:t>
+              <a:t> does a good job of representing volume and beat tracking. It also </a:t>
+            </a:r>
+            <a:r>
+              <a:rPr lang="en-US" sz="3600" dirty="0" smtClean="0"/>
+              <a:t>provides an accurate (and really cool) visualization of amplitudes of different frequencies in a song.</a:t>
+            </a:r>
+          </a:p>
+          <a:p>
+            <a:pPr eaLnBrk="1" hangingPunct="1"/>
+            <a:endParaRPr lang="en-US" sz="3600" dirty="0" smtClean="0"/>
+          </a:p>
+          <a:p>
+            <a:pPr eaLnBrk="1" hangingPunct="1"/>
+            <a:r>
+              <a:rPr lang="en-US" sz="3600" dirty="0" smtClean="0"/>
+              <a:t>In the future, we would like to extend our </a:t>
             </a:r>
             <a:r>
               <a:rPr lang="en-US" sz="3600" dirty="0" err="1" smtClean="0"/>
-              <a:t>betweenness</a:t>
+              <a:t>visualizer</a:t>
             </a:r>
             <a:r>
               <a:rPr lang="en-US" sz="3600" dirty="0" smtClean="0"/>
-              <a:t>.</a:t>
-            </a:r>
-          </a:p>
-          <a:p>
-            <a:pPr eaLnBrk="1" hangingPunct="1"/>
-            <a:r>
-              <a:rPr lang="en-US" sz="3600" dirty="0" smtClean="0"/>
-              <a:t> </a:t>
-            </a:r>
-            <a:endParaRPr lang="en-US" sz="3600" dirty="0"/>
-          </a:p>
-          <a:p>
-            <a:pPr eaLnBrk="1" hangingPunct="1"/>
-            <a:r>
-              <a:rPr lang="en-US" sz="3600" dirty="0" smtClean="0"/>
-              <a:t>We would like to incorporate shared </a:t>
-            </a:r>
-            <a:r>
-              <a:rPr lang="en-US" sz="3600" b="1" dirty="0" smtClean="0"/>
-              <a:t>features</a:t>
-            </a:r>
-            <a:r>
-              <a:rPr lang="en-US" sz="3600" dirty="0" smtClean="0"/>
-              <a:t> into our social circle calculations.</a:t>
-            </a:r>
-          </a:p>
-          <a:p>
-            <a:pPr eaLnBrk="1" hangingPunct="1"/>
-            <a:endParaRPr lang="en-US" sz="3600" dirty="0"/>
-          </a:p>
-          <a:p>
-            <a:pPr eaLnBrk="1" hangingPunct="1"/>
-            <a:r>
-              <a:rPr lang="en-US" sz="3600" dirty="0" smtClean="0"/>
-              <a:t>Our current method does not account for </a:t>
-            </a:r>
-            <a:r>
-              <a:rPr lang="en-US" sz="3600" b="1" dirty="0" smtClean="0"/>
-              <a:t>overlapping</a:t>
-            </a:r>
-            <a:r>
-              <a:rPr lang="en-US" sz="3600" dirty="0" smtClean="0"/>
-              <a:t> </a:t>
-            </a:r>
-            <a:r>
-              <a:rPr lang="en-US" sz="3600" b="1" dirty="0" smtClean="0"/>
-              <a:t>clusters</a:t>
-            </a:r>
-            <a:r>
-              <a:rPr lang="en-US" sz="3600" dirty="0" smtClean="0"/>
-              <a:t>, which is something that we need to take into account. This will likely improve our </a:t>
-            </a:r>
-            <a:r>
-              <a:rPr lang="en-US" sz="3600" dirty="0" err="1" smtClean="0"/>
-              <a:t>dendrogram</a:t>
-            </a:r>
-            <a:r>
-              <a:rPr lang="en-US" sz="3600" dirty="0" smtClean="0"/>
-              <a:t>-level-selection.</a:t>
-            </a:r>
-          </a:p>
-          <a:p>
-            <a:pPr eaLnBrk="1" hangingPunct="1"/>
-            <a:endParaRPr lang="en-US" sz="3600" dirty="0"/>
+              <a:t> to include color as a representation of the mood of a song. We would also like to come up with a better way to integrate translations of the sphere to characterize musical features. </a:t>
+            </a:r>
+            <a:endParaRPr lang="en-US" sz="3600" dirty="0" smtClean="0"/>
           </a:p>
           <a:p>
             <a:pPr eaLnBrk="1" hangingPunct="1"/>
@@ -4989,7 +4480,7 @@
         </p:nvSpPr>
         <p:spPr bwMode="auto">
           <a:xfrm>
-            <a:off x="16200437" y="15758319"/>
+            <a:off x="1189037" y="37627719"/>
             <a:ext cx="13411200" cy="549484"/>
           </a:xfrm>
           <a:prstGeom prst="rect">
@@ -5002,14 +4493,14 @@
           <a:effectLst/>
           <a:extLst>
             <a:ext uri="{909E8E84-426E-40dd-AFC4-6F175D3DCCD1}">
-              <a14:hiddenFill xmlns:a14="http://schemas.microsoft.com/office/drawing/2010/main">
+              <a14:hiddenFill xmlns:a14="http://schemas.microsoft.com/office/drawing/2010/main" xmlns:p="http://schemas.openxmlformats.org/presentationml/2006/main" xmlns:r="http://schemas.openxmlformats.org/officeDocument/2006/relationships" xmlns:a="http://schemas.openxmlformats.org/drawingml/2006/main" xmlns="">
                 <a:solidFill>
                   <a:schemeClr val="accent1"/>
                 </a:solidFill>
               </a14:hiddenFill>
             </a:ext>
             <a:ext uri="{91240B29-F687-4f45-9708-019B960494DF}">
-              <a14:hiddenLine xmlns:a14="http://schemas.microsoft.com/office/drawing/2010/main" w="9525">
+              <a14:hiddenLine xmlns:a14="http://schemas.microsoft.com/office/drawing/2010/main" xmlns:p="http://schemas.openxmlformats.org/presentationml/2006/main" xmlns:r="http://schemas.openxmlformats.org/officeDocument/2006/relationships" xmlns:a="http://schemas.openxmlformats.org/drawingml/2006/main" xmlns="" w="9525">
                 <a:solidFill>
                   <a:schemeClr val="tx1"/>
                 </a:solidFill>
@@ -5019,7 +4510,7 @@
               </a14:hiddenLine>
             </a:ext>
             <a:ext uri="{AF507438-7753-43e0-B8FC-AC1667EBCBE1}">
-              <a14:hiddenEffects xmlns:a14="http://schemas.microsoft.com/office/drawing/2010/main">
+              <a14:hiddenEffects xmlns:a14="http://schemas.microsoft.com/office/drawing/2010/main" xmlns:p="http://schemas.openxmlformats.org/presentationml/2006/main" xmlns:r="http://schemas.openxmlformats.org/officeDocument/2006/relationships" xmlns:a="http://schemas.openxmlformats.org/drawingml/2006/main" xmlns="">
                 <a:effectLst>
                   <a:outerShdw dist="35921" dir="2700000" algn="ctr" rotWithShape="0">
                     <a:schemeClr val="bg2"/>
@@ -5134,10 +4625,16 @@
           <a:p>
             <a:pPr eaLnBrk="1" hangingPunct="1"/>
             <a:r>
+              <a:rPr lang="en-US" sz="3000" b="1" dirty="0" smtClean="0">
+                <a:latin typeface="Arial"/>
+              </a:rPr>
+              <a:t>Figure </a:t>
+            </a:r>
+            <a:r>
               <a:rPr lang="en-US" sz="3000" b="1" dirty="0">
                 <a:latin typeface="Arial"/>
               </a:rPr>
-              <a:t>Figure 3</a:t>
+              <a:t>3</a:t>
             </a:r>
             <a:r>
               <a:rPr lang="en-US" sz="3000" b="1" dirty="0" smtClean="0">
@@ -5149,19 +4646,19 @@
               <a:rPr lang="en-US" sz="3000" dirty="0" smtClean="0">
                 <a:latin typeface="Arial"/>
               </a:rPr>
-              <a:t> A sample </a:t>
+              <a:t> A </a:t>
             </a:r>
             <a:r>
               <a:rPr lang="en-US" sz="3000" dirty="0" err="1" smtClean="0">
                 <a:latin typeface="Arial"/>
               </a:rPr>
-              <a:t>dendrogram</a:t>
+              <a:t>melspectrogram</a:t>
             </a:r>
             <a:r>
               <a:rPr lang="en-US" sz="3000" dirty="0" smtClean="0">
                 <a:latin typeface="Arial"/>
               </a:rPr>
-              <a:t> with the optimal split level highlighted.</a:t>
+              <a:t> showing frequency amplitudes over time</a:t>
             </a:r>
             <a:endParaRPr lang="en-US" sz="3000" dirty="0">
               <a:latin typeface="Arial"/>
@@ -5171,13 +4668,13 @@
       </p:sp>
       <p:sp>
         <p:nvSpPr>
-          <p:cNvPr id="63" name="Rectangle 62"/>
+          <p:cNvPr id="64" name="Rectangle 63"/>
           <p:cNvSpPr/>
           <p:nvPr/>
         </p:nvSpPr>
         <p:spPr>
           <a:xfrm>
-            <a:off x="15667037" y="5852319"/>
+            <a:off x="15667037" y="17434719"/>
             <a:ext cx="13756922" cy="891547"/>
           </a:xfrm>
           <a:prstGeom prst="rect">
@@ -5222,7 +4719,7 @@
                 <a:latin typeface="Arial"/>
                 <a:cs typeface="Avenir Next Medium"/>
               </a:rPr>
-              <a:t>Methodology</a:t>
+              <a:t>Modeling/Animation</a:t>
             </a:r>
             <a:endParaRPr lang="en-US" sz="5400" b="1" i="1" dirty="0">
               <a:solidFill>
@@ -5236,13 +4733,13 @@
       </p:sp>
       <p:sp>
         <p:nvSpPr>
-          <p:cNvPr id="64" name="Rectangle 63"/>
+          <p:cNvPr id="65" name="Rectangle 64"/>
           <p:cNvSpPr/>
           <p:nvPr/>
         </p:nvSpPr>
         <p:spPr>
           <a:xfrm>
-            <a:off x="15667037" y="16748919"/>
+            <a:off x="15743237" y="30769719"/>
             <a:ext cx="13756922" cy="891547"/>
           </a:xfrm>
           <a:prstGeom prst="rect">
@@ -5287,71 +4784,6 @@
                 <a:latin typeface="Arial"/>
                 <a:cs typeface="Avenir Next Medium"/>
               </a:rPr>
-              <a:t>Preliminary Evidence</a:t>
-            </a:r>
-            <a:endParaRPr lang="en-US" sz="5400" b="1" i="1" dirty="0">
-              <a:solidFill>
-                <a:srgbClr val="000000"/>
-              </a:solidFill>
-              <a:latin typeface="Arial"/>
-              <a:cs typeface="Avenir Next Medium"/>
-            </a:endParaRPr>
-          </a:p>
-        </p:txBody>
-      </p:sp>
-      <p:sp>
-        <p:nvSpPr>
-          <p:cNvPr id="65" name="Rectangle 64"/>
-          <p:cNvSpPr/>
-          <p:nvPr/>
-        </p:nvSpPr>
-        <p:spPr>
-          <a:xfrm>
-            <a:off x="15743237" y="29931519"/>
-            <a:ext cx="13756922" cy="891547"/>
-          </a:xfrm>
-          <a:prstGeom prst="rect">
-            <a:avLst/>
-          </a:prstGeom>
-          <a:solidFill>
-            <a:schemeClr val="accent1">
-              <a:lumMod val="75000"/>
-              <a:alpha val="28000"/>
-            </a:schemeClr>
-          </a:solidFill>
-          <a:ln>
-            <a:noFill/>
-          </a:ln>
-        </p:spPr>
-        <p:style>
-          <a:lnRef idx="2">
-            <a:schemeClr val="accent1">
-              <a:shade val="50000"/>
-            </a:schemeClr>
-          </a:lnRef>
-          <a:fillRef idx="1">
-            <a:schemeClr val="accent1"/>
-          </a:fillRef>
-          <a:effectRef idx="0">
-            <a:schemeClr val="accent1"/>
-          </a:effectRef>
-          <a:fontRef idx="minor">
-            <a:schemeClr val="lt1"/>
-          </a:fontRef>
-        </p:style>
-        <p:txBody>
-          <a:bodyPr lIns="86970" tIns="43485" rIns="86970" bIns="43485" rtlCol="0" anchor="ctr"/>
-          <a:lstStyle/>
-          <a:p>
-            <a:pPr algn="ctr"/>
-            <a:r>
-              <a:rPr lang="en-US" sz="5400" b="1" i="1" dirty="0" smtClean="0">
-                <a:solidFill>
-                  <a:srgbClr val="000000"/>
-                </a:solidFill>
-                <a:latin typeface="Arial"/>
-                <a:cs typeface="Avenir Next Medium"/>
-              </a:rPr>
               <a:t>Conclusions &amp; Further Steps</a:t>
             </a:r>
             <a:endParaRPr lang="en-US" sz="5400" b="1" i="1" dirty="0">
@@ -5410,8 +4842,371 @@
         </p:nvSpPr>
         <p:spPr>
           <a:xfrm>
-            <a:off x="22373" y="38846919"/>
-            <a:ext cx="30244901" cy="3947319"/>
+            <a:off x="0" y="39304119"/>
+            <a:ext cx="30267275" cy="3490119"/>
+          </a:xfrm>
+          <a:prstGeom prst="rect">
+            <a:avLst/>
+          </a:prstGeom>
+          <a:solidFill>
+            <a:schemeClr val="tx1"/>
+          </a:solidFill>
+          <a:ln>
+            <a:noFill/>
+          </a:ln>
+        </p:spPr>
+        <p:style>
+          <a:lnRef idx="2">
+            <a:schemeClr val="accent1">
+              <a:shade val="50000"/>
+            </a:schemeClr>
+          </a:lnRef>
+          <a:fillRef idx="1">
+            <a:schemeClr val="accent1"/>
+          </a:fillRef>
+          <a:effectRef idx="0">
+            <a:schemeClr val="accent1"/>
+          </a:effectRef>
+          <a:fontRef idx="minor">
+            <a:schemeClr val="lt1"/>
+          </a:fontRef>
+        </p:style>
+        <p:txBody>
+          <a:bodyPr lIns="86970" tIns="43485" rIns="86970" bIns="43485" rtlCol="0" anchor="ctr"/>
+          <a:lstStyle/>
+          <a:p>
+            <a:endParaRPr lang="en-US" sz="5400" b="1" i="1" dirty="0">
+              <a:solidFill>
+                <a:srgbClr val="000000"/>
+              </a:solidFill>
+              <a:latin typeface="Arial"/>
+              <a:cs typeface="Avenir Next Medium"/>
+            </a:endParaRPr>
+          </a:p>
+        </p:txBody>
+      </p:sp>
+      <p:sp>
+        <p:nvSpPr>
+          <p:cNvPr id="67" name="TextBox 66"/>
+          <p:cNvSpPr txBox="1"/>
+          <p:nvPr/>
+        </p:nvSpPr>
+        <p:spPr>
+          <a:xfrm>
+            <a:off x="-4165163" y="4318160"/>
+            <a:ext cx="184666" cy="1354217"/>
+          </a:xfrm>
+          <a:prstGeom prst="rect">
+            <a:avLst/>
+          </a:prstGeom>
+          <a:noFill/>
+        </p:spPr>
+        <p:txBody>
+          <a:bodyPr wrap="none" rtlCol="0">
+            <a:spAutoFit/>
+          </a:bodyPr>
+          <a:lstStyle/>
+          <a:p>
+            <a:endParaRPr lang="en-US" dirty="0"/>
+          </a:p>
+        </p:txBody>
+      </p:sp>
+      <p:pic>
+        <p:nvPicPr>
+          <p:cNvPr id="43" name="Picture 42" descr="green_sphere.tiff"/>
+          <p:cNvPicPr>
+            <a:picLocks noChangeAspect="1"/>
+          </p:cNvPicPr>
+          <p:nvPr/>
+        </p:nvPicPr>
+        <p:blipFill>
+          <a:blip r:embed="rId4"/>
+          <a:stretch>
+            <a:fillRect/>
+          </a:stretch>
+        </p:blipFill>
+        <p:spPr>
+          <a:xfrm>
+            <a:off x="6675437" y="15072519"/>
+            <a:ext cx="8077200" cy="6172201"/>
+          </a:xfrm>
+          <a:prstGeom prst="rect">
+            <a:avLst/>
+          </a:prstGeom>
+        </p:spPr>
+      </p:pic>
+      <p:pic>
+        <p:nvPicPr>
+          <p:cNvPr id="45" name="Picture 44" descr="orange_sphere.png"/>
+          <p:cNvPicPr>
+            <a:picLocks noChangeAspect="1"/>
+          </p:cNvPicPr>
+          <p:nvPr/>
+        </p:nvPicPr>
+        <p:blipFill>
+          <a:blip r:embed="rId5"/>
+          <a:stretch>
+            <a:fillRect/>
+          </a:stretch>
+        </p:blipFill>
+        <p:spPr>
+          <a:xfrm>
+            <a:off x="503237" y="15072519"/>
+            <a:ext cx="8763000" cy="6172200"/>
+          </a:xfrm>
+          <a:prstGeom prst="rect">
+            <a:avLst/>
+          </a:prstGeom>
+        </p:spPr>
+      </p:pic>
+      <p:pic>
+        <p:nvPicPr>
+          <p:cNvPr id="59" name="Picture 58" descr="disp_map13.4368989468.tiff"/>
+          <p:cNvPicPr>
+            <a:picLocks noChangeAspect="1"/>
+          </p:cNvPicPr>
+          <p:nvPr/>
+        </p:nvPicPr>
+        <p:blipFill>
+          <a:blip r:embed="rId6"/>
+          <a:stretch>
+            <a:fillRect/>
+          </a:stretch>
+        </p:blipFill>
+        <p:spPr>
+          <a:xfrm>
+            <a:off x="16276637" y="23683119"/>
+            <a:ext cx="4343400" cy="4343400"/>
+          </a:xfrm>
+          <a:prstGeom prst="rect">
+            <a:avLst/>
+          </a:prstGeom>
+        </p:spPr>
+      </p:pic>
+      <p:sp>
+        <p:nvSpPr>
+          <p:cNvPr id="61" name="Text Box 180"/>
+          <p:cNvSpPr txBox="1">
+            <a:spLocks noChangeArrowheads="1"/>
+          </p:cNvSpPr>
+          <p:nvPr/>
+        </p:nvSpPr>
+        <p:spPr bwMode="auto">
+          <a:xfrm>
+            <a:off x="16124237" y="28407519"/>
+            <a:ext cx="13411200" cy="1011149"/>
+          </a:xfrm>
+          <a:prstGeom prst="rect">
+            <a:avLst/>
+          </a:prstGeom>
+          <a:noFill/>
+          <a:ln>
+            <a:noFill/>
+          </a:ln>
+          <a:effectLst/>
+          <a:extLst>
+            <a:ext uri="{909E8E84-426E-40dd-AFC4-6F175D3DCCD1}">
+              <a14:hiddenFill xmlns:a14="http://schemas.microsoft.com/office/drawing/2010/main" xmlns:p="http://schemas.openxmlformats.org/presentationml/2006/main" xmlns:r="http://schemas.openxmlformats.org/officeDocument/2006/relationships" xmlns:a="http://schemas.openxmlformats.org/drawingml/2006/main" xmlns="">
+                <a:solidFill>
+                  <a:schemeClr val="accent1"/>
+                </a:solidFill>
+              </a14:hiddenFill>
+            </a:ext>
+            <a:ext uri="{91240B29-F687-4f45-9708-019B960494DF}">
+              <a14:hiddenLine xmlns:a14="http://schemas.microsoft.com/office/drawing/2010/main" xmlns:p="http://schemas.openxmlformats.org/presentationml/2006/main" xmlns:r="http://schemas.openxmlformats.org/officeDocument/2006/relationships" xmlns:a="http://schemas.openxmlformats.org/drawingml/2006/main" xmlns="" w="9525">
+                <a:solidFill>
+                  <a:schemeClr val="tx1"/>
+                </a:solidFill>
+                <a:miter lim="800000"/>
+                <a:headEnd/>
+                <a:tailEnd/>
+              </a14:hiddenLine>
+            </a:ext>
+            <a:ext uri="{AF507438-7753-43e0-B8FC-AC1667EBCBE1}">
+              <a14:hiddenEffects xmlns:a14="http://schemas.microsoft.com/office/drawing/2010/main" xmlns:p="http://schemas.openxmlformats.org/presentationml/2006/main" xmlns:r="http://schemas.openxmlformats.org/officeDocument/2006/relationships" xmlns:a="http://schemas.openxmlformats.org/drawingml/2006/main" xmlns="">
+                <a:effectLst>
+                  <a:outerShdw dist="35921" dir="2700000" algn="ctr" rotWithShape="0">
+                    <a:schemeClr val="bg2"/>
+                  </a:outerShdw>
+                </a:effectLst>
+              </a14:hiddenEffects>
+            </a:ext>
+          </a:extLst>
+        </p:spPr>
+        <p:txBody>
+          <a:bodyPr wrap="square" lIns="86970" tIns="43485" rIns="86970" bIns="43485">
+            <a:spAutoFit/>
+          </a:bodyPr>
+          <a:lstStyle>
+            <a:lvl1pPr defTabSz="4389438" eaLnBrk="0" hangingPunct="0">
+              <a:defRPr sz="2200">
+                <a:solidFill>
+                  <a:schemeClr val="tx1"/>
+                </a:solidFill>
+                <a:latin typeface="Arial" charset="0"/>
+              </a:defRPr>
+            </a:lvl1pPr>
+            <a:lvl2pPr marL="742950" indent="-285750" defTabSz="4389438" eaLnBrk="0" hangingPunct="0">
+              <a:defRPr sz="2200">
+                <a:solidFill>
+                  <a:schemeClr val="tx1"/>
+                </a:solidFill>
+                <a:latin typeface="Arial" charset="0"/>
+              </a:defRPr>
+            </a:lvl2pPr>
+            <a:lvl3pPr marL="1143000" indent="-228600" defTabSz="4389438" eaLnBrk="0" hangingPunct="0">
+              <a:defRPr sz="2200">
+                <a:solidFill>
+                  <a:schemeClr val="tx1"/>
+                </a:solidFill>
+                <a:latin typeface="Arial" charset="0"/>
+              </a:defRPr>
+            </a:lvl3pPr>
+            <a:lvl4pPr marL="1600200" indent="-228600" defTabSz="4389438" eaLnBrk="0" hangingPunct="0">
+              <a:defRPr sz="2200">
+                <a:solidFill>
+                  <a:schemeClr val="tx1"/>
+                </a:solidFill>
+                <a:latin typeface="Arial" charset="0"/>
+              </a:defRPr>
+            </a:lvl4pPr>
+            <a:lvl5pPr marL="2057400" indent="-228600" defTabSz="4389438" eaLnBrk="0" hangingPunct="0">
+              <a:defRPr sz="2200">
+                <a:solidFill>
+                  <a:schemeClr val="tx1"/>
+                </a:solidFill>
+                <a:latin typeface="Arial" charset="0"/>
+              </a:defRPr>
+            </a:lvl5pPr>
+            <a:lvl6pPr marL="2514600" indent="-228600" defTabSz="4389438" eaLnBrk="0" fontAlgn="base" hangingPunct="0">
+              <a:spcBef>
+                <a:spcPct val="0"/>
+              </a:spcBef>
+              <a:spcAft>
+                <a:spcPct val="0"/>
+              </a:spcAft>
+              <a:defRPr sz="2200">
+                <a:solidFill>
+                  <a:schemeClr val="tx1"/>
+                </a:solidFill>
+                <a:latin typeface="Arial" charset="0"/>
+              </a:defRPr>
+            </a:lvl6pPr>
+            <a:lvl7pPr marL="2971800" indent="-228600" defTabSz="4389438" eaLnBrk="0" fontAlgn="base" hangingPunct="0">
+              <a:spcBef>
+                <a:spcPct val="0"/>
+              </a:spcBef>
+              <a:spcAft>
+                <a:spcPct val="0"/>
+              </a:spcAft>
+              <a:defRPr sz="2200">
+                <a:solidFill>
+                  <a:schemeClr val="tx1"/>
+                </a:solidFill>
+                <a:latin typeface="Arial" charset="0"/>
+              </a:defRPr>
+            </a:lvl7pPr>
+            <a:lvl8pPr marL="3429000" indent="-228600" defTabSz="4389438" eaLnBrk="0" fontAlgn="base" hangingPunct="0">
+              <a:spcBef>
+                <a:spcPct val="0"/>
+              </a:spcBef>
+              <a:spcAft>
+                <a:spcPct val="0"/>
+              </a:spcAft>
+              <a:defRPr sz="2200">
+                <a:solidFill>
+                  <a:schemeClr val="tx1"/>
+                </a:solidFill>
+                <a:latin typeface="Arial" charset="0"/>
+              </a:defRPr>
+            </a:lvl8pPr>
+            <a:lvl9pPr marL="3886200" indent="-228600" defTabSz="4389438" eaLnBrk="0" fontAlgn="base" hangingPunct="0">
+              <a:spcBef>
+                <a:spcPct val="0"/>
+              </a:spcBef>
+              <a:spcAft>
+                <a:spcPct val="0"/>
+              </a:spcAft>
+              <a:defRPr sz="2200">
+                <a:solidFill>
+                  <a:schemeClr val="tx1"/>
+                </a:solidFill>
+                <a:latin typeface="Arial" charset="0"/>
+              </a:defRPr>
+            </a:lvl9pPr>
+          </a:lstStyle>
+          <a:p>
+            <a:pPr eaLnBrk="1" hangingPunct="1"/>
+            <a:r>
+              <a:rPr lang="en-US" sz="3000" b="1" dirty="0">
+                <a:latin typeface="Arial"/>
+              </a:rPr>
+              <a:t>Figure</a:t>
+            </a:r>
+            <a:r>
+              <a:rPr lang="en-US" sz="3000" b="1" dirty="0" smtClean="0">
+                <a:latin typeface="Arial"/>
+              </a:rPr>
+              <a:t> </a:t>
+            </a:r>
+            <a:r>
+              <a:rPr lang="en-US" sz="3000" b="1" dirty="0" smtClean="0">
+                <a:latin typeface="Arial"/>
+              </a:rPr>
+              <a:t>4</a:t>
+            </a:r>
+            <a:r>
+              <a:rPr lang="en-US" sz="3000" b="1" dirty="0" smtClean="0">
+                <a:latin typeface="Arial"/>
+              </a:rPr>
+              <a:t>. </a:t>
+            </a:r>
+            <a:r>
+              <a:rPr lang="en-US" sz="3000" dirty="0" smtClean="0">
+                <a:latin typeface="Arial"/>
+              </a:rPr>
+              <a:t>An illustration of a dynamically generated texture map (for frequency amplitudes)</a:t>
+            </a:r>
+            <a:endParaRPr lang="en-US" sz="3000" dirty="0">
+              <a:latin typeface="Arial"/>
+            </a:endParaRPr>
+          </a:p>
+        </p:txBody>
+      </p:sp>
+      <p:pic>
+        <p:nvPicPr>
+          <p:cNvPr id="72" name="Picture 71" descr="mel_power_spec.png"/>
+          <p:cNvPicPr>
+            <a:picLocks noChangeAspect="1"/>
+          </p:cNvPicPr>
+          <p:nvPr/>
+        </p:nvPicPr>
+        <p:blipFill>
+          <a:blip r:embed="rId7"/>
+          <a:stretch>
+            <a:fillRect/>
+          </a:stretch>
+        </p:blipFill>
+        <p:spPr>
+          <a:xfrm>
+            <a:off x="15819437" y="12329319"/>
+            <a:ext cx="11128375" cy="3811588"/>
+          </a:xfrm>
+          <a:prstGeom prst="rect">
+            <a:avLst/>
+          </a:prstGeom>
+        </p:spPr>
+      </p:pic>
+      <p:sp>
+        <p:nvSpPr>
+          <p:cNvPr id="80" name="Rectangle 79"/>
+          <p:cNvSpPr/>
+          <p:nvPr/>
+        </p:nvSpPr>
+        <p:spPr>
+          <a:xfrm>
+            <a:off x="15667037" y="5852319"/>
+            <a:ext cx="13639800" cy="891547"/>
           </a:xfrm>
           <a:prstGeom prst="rect">
             <a:avLst/>
@@ -5446,524 +5241,45 @@
           <a:bodyPr lIns="86970" tIns="43485" rIns="86970" bIns="43485" rtlCol="0" anchor="ctr"/>
           <a:lstStyle/>
           <a:p>
-            <a:r>
-              <a:rPr lang="en-US" sz="5400" b="1" i="1" dirty="0">
+            <a:pPr algn="ctr"/>
+            <a:r>
+              <a:rPr lang="en-US" sz="5400" b="1" i="1" dirty="0" smtClean="0">
                 <a:solidFill>
                   <a:srgbClr val="000000"/>
                 </a:solidFill>
                 <a:latin typeface="Arial"/>
-                <a:cs typeface="Avenir Next Medium"/>
-              </a:rPr>
-              <a:t> </a:t>
-            </a:r>
-            <a:r>
-              <a:rPr lang="en-US" sz="5400" b="1" i="1" dirty="0" smtClean="0">
-                <a:solidFill>
-                  <a:srgbClr val="000000"/>
-                </a:solidFill>
-                <a:latin typeface="Arial"/>
-                <a:cs typeface="Avenir Next Medium"/>
-              </a:rPr>
-              <a:t>  References</a:t>
-            </a:r>
-          </a:p>
-          <a:p>
-            <a:endParaRPr lang="en-US" sz="2000" b="1" i="1" dirty="0" smtClean="0">
-              <a:solidFill>
-                <a:srgbClr val="000000"/>
-              </a:solidFill>
-              <a:latin typeface="Arial"/>
-              <a:cs typeface="Avenir Next Medium"/>
-            </a:endParaRPr>
-          </a:p>
-          <a:p>
-            <a:pPr marL="457200" indent="-457200">
-              <a:buAutoNum type="arabicPeriod"/>
-            </a:pPr>
-            <a:r>
-              <a:rPr lang="en-US" sz="2500" b="1" dirty="0" smtClean="0">
-                <a:solidFill>
-                  <a:srgbClr val="000000"/>
-                </a:solidFill>
-                <a:latin typeface="Arial"/>
-                <a:cs typeface="Avenir Next Medium"/>
-              </a:rPr>
-              <a:t>Easley</a:t>
-            </a:r>
-            <a:r>
-              <a:rPr lang="en-US" sz="2500" b="1" dirty="0">
-                <a:solidFill>
-                  <a:srgbClr val="000000"/>
-                </a:solidFill>
-                <a:latin typeface="Arial"/>
-                <a:cs typeface="Avenir Next Medium"/>
-              </a:rPr>
-              <a:t>, D.</a:t>
-            </a:r>
-            <a:r>
-              <a:rPr lang="en-US" sz="2500" b="1" dirty="0" smtClean="0">
-                <a:solidFill>
-                  <a:srgbClr val="000000"/>
-                </a:solidFill>
-                <a:latin typeface="Arial"/>
-                <a:cs typeface="Avenir Next Medium"/>
-              </a:rPr>
-              <a:t>, &amp; </a:t>
-            </a:r>
-            <a:r>
-              <a:rPr lang="en-US" sz="2500" b="1" dirty="0">
-                <a:solidFill>
-                  <a:srgbClr val="000000"/>
-                </a:solidFill>
-                <a:latin typeface="Arial"/>
-                <a:cs typeface="Avenir Next Medium"/>
-              </a:rPr>
-              <a:t>Kleinberg, J. (2010). </a:t>
-            </a:r>
-            <a:r>
-              <a:rPr lang="en-US" sz="2500" b="1" dirty="0" smtClean="0">
-                <a:solidFill>
-                  <a:srgbClr val="000000"/>
-                </a:solidFill>
-                <a:latin typeface="Arial"/>
-                <a:cs typeface="Avenir Next Medium"/>
-              </a:rPr>
-              <a:t>Networks</a:t>
-            </a:r>
-            <a:r>
-              <a:rPr lang="en-US" sz="2500" b="1" dirty="0">
-                <a:solidFill>
-                  <a:srgbClr val="000000"/>
-                </a:solidFill>
-                <a:latin typeface="Arial"/>
-                <a:cs typeface="Avenir Next Medium"/>
-              </a:rPr>
-              <a:t>, crowds, and markets: reasoning about a highly connected world</a:t>
-            </a:r>
-            <a:r>
-              <a:rPr lang="en-US" sz="2500" b="1" dirty="0" smtClean="0">
-                <a:solidFill>
-                  <a:srgbClr val="000000"/>
-                </a:solidFill>
-                <a:latin typeface="Arial"/>
-                <a:cs typeface="Avenir Next Medium"/>
-              </a:rPr>
-              <a:t>. </a:t>
-            </a:r>
-            <a:r>
-              <a:rPr lang="en-US" sz="2500" b="1" dirty="0">
-                <a:solidFill>
-                  <a:srgbClr val="000000"/>
-                </a:solidFill>
-                <a:latin typeface="Arial"/>
-                <a:cs typeface="Avenir Next Medium"/>
-              </a:rPr>
-              <a:t>New York: Cambridge University Press.</a:t>
-            </a:r>
-            <a:endParaRPr lang="en-US" sz="2500" b="1" dirty="0" smtClean="0">
-              <a:solidFill>
-                <a:srgbClr val="000000"/>
-              </a:solidFill>
-              <a:latin typeface="Arial"/>
-              <a:cs typeface="Avenir Next Medium"/>
-            </a:endParaRPr>
-          </a:p>
-          <a:p>
-            <a:r>
-              <a:rPr lang="en-US" sz="2500" b="1" dirty="0" smtClean="0">
-                <a:solidFill>
-                  <a:srgbClr val="000000"/>
-                </a:solidFill>
-                <a:latin typeface="Arial"/>
-                <a:cs typeface="Avenir Next Medium"/>
-              </a:rPr>
-              <a:t>2. </a:t>
-            </a:r>
-            <a:r>
-              <a:rPr lang="en-US" sz="2500" b="1" dirty="0" err="1" smtClean="0">
-                <a:solidFill>
-                  <a:srgbClr val="000000"/>
-                </a:solidFill>
-                <a:latin typeface="Arial"/>
-                <a:cs typeface="Avenir Next Medium"/>
-              </a:rPr>
-              <a:t>Leskovec</a:t>
-            </a:r>
-            <a:r>
-              <a:rPr lang="en-US" sz="2500" b="1" dirty="0">
-                <a:solidFill>
-                  <a:srgbClr val="000000"/>
-                </a:solidFill>
-                <a:latin typeface="Arial"/>
-                <a:cs typeface="Avenir Next Medium"/>
-              </a:rPr>
-              <a:t>, J., &amp; </a:t>
-            </a:r>
-            <a:r>
-              <a:rPr lang="en-US" sz="2500" b="1" dirty="0" err="1">
-                <a:solidFill>
-                  <a:srgbClr val="000000"/>
-                </a:solidFill>
-                <a:latin typeface="Arial"/>
-                <a:cs typeface="Avenir Next Medium"/>
-              </a:rPr>
-              <a:t>McAuley</a:t>
-            </a:r>
-            <a:r>
-              <a:rPr lang="en-US" sz="2500" b="1" dirty="0">
-                <a:solidFill>
-                  <a:srgbClr val="000000"/>
-                </a:solidFill>
-                <a:latin typeface="Arial"/>
-                <a:cs typeface="Avenir Next Medium"/>
-              </a:rPr>
-              <a:t>, J. J. (2012). Learning to discover social circles in ego networks. In </a:t>
-            </a:r>
-            <a:r>
-              <a:rPr lang="en-US" sz="2500" b="1" i="1" dirty="0">
-                <a:solidFill>
-                  <a:srgbClr val="000000"/>
-                </a:solidFill>
-                <a:latin typeface="Arial"/>
-                <a:cs typeface="Avenir Next Medium"/>
-              </a:rPr>
-              <a:t>Advances in neural information processing system</a:t>
-            </a:r>
-            <a:r>
-              <a:rPr lang="en-US" sz="2500" b="1" dirty="0">
-                <a:solidFill>
-                  <a:srgbClr val="000000"/>
-                </a:solidFill>
-                <a:latin typeface="Arial"/>
-                <a:cs typeface="Avenir Next Medium"/>
-              </a:rPr>
-              <a:t> (pp. 539-547).</a:t>
-            </a:r>
-            <a:endParaRPr lang="en-US" sz="2500" b="1" dirty="0" smtClean="0">
-              <a:solidFill>
-                <a:srgbClr val="000000"/>
-              </a:solidFill>
-              <a:latin typeface="Arial"/>
-              <a:cs typeface="Avenir Next Medium"/>
-            </a:endParaRPr>
-          </a:p>
-          <a:p>
-            <a:r>
-              <a:rPr lang="en-US" sz="2500" b="1" dirty="0" smtClean="0">
-                <a:solidFill>
-                  <a:srgbClr val="000000"/>
-                </a:solidFill>
-                <a:latin typeface="Arial"/>
-                <a:cs typeface="Avenir Next Medium"/>
-              </a:rPr>
-              <a:t>3. </a:t>
-            </a:r>
-            <a:r>
-              <a:rPr lang="en-US" sz="2500" b="1" dirty="0" err="1" smtClean="0">
-                <a:solidFill>
-                  <a:srgbClr val="000000"/>
-                </a:solidFill>
-                <a:latin typeface="Arial"/>
-                <a:cs typeface="Avenir Next Medium"/>
-              </a:rPr>
-              <a:t>Palla</a:t>
-            </a:r>
-            <a:r>
-              <a:rPr lang="en-US" sz="2500" b="1" dirty="0">
-                <a:solidFill>
-                  <a:srgbClr val="000000"/>
-                </a:solidFill>
-                <a:latin typeface="Arial"/>
-                <a:cs typeface="Avenir Next Medium"/>
-              </a:rPr>
-              <a:t>, G., </a:t>
-            </a:r>
-            <a:r>
-              <a:rPr lang="en-US" sz="2500" b="1" dirty="0" err="1">
-                <a:solidFill>
-                  <a:srgbClr val="000000"/>
-                </a:solidFill>
-                <a:latin typeface="Arial"/>
-                <a:cs typeface="Avenir Next Medium"/>
-              </a:rPr>
-              <a:t>Derenyi</a:t>
-            </a:r>
-            <a:r>
-              <a:rPr lang="en-US" sz="2500" b="1" dirty="0">
-                <a:solidFill>
-                  <a:srgbClr val="000000"/>
-                </a:solidFill>
-                <a:latin typeface="Arial"/>
-                <a:cs typeface="Avenir Next Medium"/>
-              </a:rPr>
-              <a:t>, I., </a:t>
-            </a:r>
-            <a:r>
-              <a:rPr lang="en-US" sz="2500" b="1" dirty="0" err="1">
-                <a:solidFill>
-                  <a:srgbClr val="000000"/>
-                </a:solidFill>
-                <a:latin typeface="Arial"/>
-                <a:cs typeface="Avenir Next Medium"/>
-              </a:rPr>
-              <a:t>Farkas</a:t>
-            </a:r>
-            <a:r>
-              <a:rPr lang="en-US" sz="2500" b="1" dirty="0">
-                <a:solidFill>
-                  <a:srgbClr val="000000"/>
-                </a:solidFill>
-                <a:latin typeface="Arial"/>
-                <a:cs typeface="Avenir Next Medium"/>
-              </a:rPr>
-              <a:t>, I., </a:t>
-            </a:r>
-            <a:r>
-              <a:rPr lang="en-US" sz="2500" b="1" dirty="0" smtClean="0">
-                <a:solidFill>
-                  <a:srgbClr val="000000"/>
-                </a:solidFill>
-                <a:latin typeface="Arial"/>
-                <a:cs typeface="Avenir Next Medium"/>
-              </a:rPr>
-              <a:t>&amp; </a:t>
-            </a:r>
-            <a:r>
-              <a:rPr lang="en-US" sz="2500" b="1" dirty="0" err="1">
-                <a:solidFill>
-                  <a:srgbClr val="000000"/>
-                </a:solidFill>
-                <a:latin typeface="Arial"/>
-                <a:cs typeface="Avenir Next Medium"/>
-              </a:rPr>
-              <a:t>Vicsek</a:t>
-            </a:r>
-            <a:r>
-              <a:rPr lang="en-US" sz="2500" b="1" dirty="0">
-                <a:solidFill>
-                  <a:srgbClr val="000000"/>
-                </a:solidFill>
-                <a:latin typeface="Arial"/>
-                <a:cs typeface="Avenir Next Medium"/>
-              </a:rPr>
-              <a:t>, T. (</a:t>
-            </a:r>
-            <a:r>
-              <a:rPr lang="en-US" sz="2500" b="1" dirty="0" err="1">
-                <a:solidFill>
-                  <a:srgbClr val="000000"/>
-                </a:solidFill>
-                <a:latin typeface="Arial"/>
-                <a:cs typeface="Avenir Next Medium"/>
-              </a:rPr>
-              <a:t>n.d.</a:t>
-            </a:r>
-            <a:r>
-              <a:rPr lang="en-US" sz="2500" b="1" dirty="0">
-                <a:solidFill>
-                  <a:srgbClr val="000000"/>
-                </a:solidFill>
-                <a:latin typeface="Arial"/>
-                <a:cs typeface="Avenir Next Medium"/>
-              </a:rPr>
-              <a:t>)</a:t>
-            </a:r>
-            <a:r>
-              <a:rPr lang="en-US" sz="2500" b="1" i="1" dirty="0">
-                <a:solidFill>
-                  <a:srgbClr val="000000"/>
-                </a:solidFill>
-                <a:latin typeface="Arial"/>
-                <a:cs typeface="Avenir Next Medium"/>
-              </a:rPr>
-              <a:t>. Uncovering the overlapping community structure of complex networks in nature and society</a:t>
-            </a:r>
-            <a:r>
-              <a:rPr lang="en-US" sz="2500" b="1" dirty="0">
-                <a:solidFill>
-                  <a:srgbClr val="000000"/>
-                </a:solidFill>
-                <a:latin typeface="Arial"/>
-                <a:cs typeface="Avenir Next Medium"/>
-              </a:rPr>
-              <a:t>. </a:t>
-            </a:r>
-            <a:r>
-              <a:rPr lang="en-US" sz="2500" b="1" dirty="0" smtClean="0">
-                <a:solidFill>
-                  <a:srgbClr val="000000"/>
-                </a:solidFill>
-                <a:latin typeface="Arial"/>
-                <a:cs typeface="Avenir Next Medium"/>
-              </a:rPr>
-              <a:t>Nature, </a:t>
-            </a:r>
-            <a:r>
-              <a:rPr lang="en-US" sz="2500" b="1" dirty="0">
-                <a:solidFill>
-                  <a:srgbClr val="000000"/>
-                </a:solidFill>
-                <a:latin typeface="Arial"/>
-                <a:cs typeface="Avenir Next Medium"/>
-              </a:rPr>
-              <a:t>435(7043), 814-</a:t>
-            </a:r>
-            <a:r>
-              <a:rPr lang="en-US" sz="2500" b="1" dirty="0" smtClean="0">
-                <a:solidFill>
-                  <a:srgbClr val="000000"/>
-                </a:solidFill>
-                <a:latin typeface="Arial"/>
-                <a:cs typeface="Avenir Next Medium"/>
-              </a:rPr>
-              <a:t>81.</a:t>
-            </a:r>
-          </a:p>
-          <a:p>
-            <a:pPr lvl="0"/>
-            <a:r>
-              <a:rPr lang="en-US" sz="2500" b="1" dirty="0" smtClean="0">
-                <a:solidFill>
-                  <a:srgbClr val="000000"/>
-                </a:solidFill>
-                <a:latin typeface="Arial"/>
-                <a:cs typeface="Avenir Next Medium"/>
-              </a:rPr>
-              <a:t>4. Newman,</a:t>
-            </a:r>
-            <a:r>
-              <a:rPr lang="en-US" sz="2500" b="1" dirty="0">
-                <a:solidFill>
-                  <a:srgbClr val="000000"/>
-                </a:solidFill>
-                <a:latin typeface="Arial"/>
-                <a:cs typeface="Avenir Next Medium"/>
-              </a:rPr>
-              <a:t> M. E. </a:t>
-            </a:r>
-            <a:r>
-              <a:rPr lang="en-US" sz="2500" b="1" dirty="0" smtClean="0">
-                <a:solidFill>
-                  <a:srgbClr val="000000"/>
-                </a:solidFill>
-                <a:latin typeface="Arial"/>
-                <a:cs typeface="Avenir Next Medium"/>
-              </a:rPr>
-              <a:t>J &amp; Girvan, M. (2004). Finding </a:t>
-            </a:r>
-            <a:r>
-              <a:rPr lang="en-US" sz="2500" b="1" dirty="0">
-                <a:solidFill>
-                  <a:srgbClr val="000000"/>
-                </a:solidFill>
-                <a:latin typeface="Arial"/>
-                <a:cs typeface="Avenir Next Medium"/>
-              </a:rPr>
-              <a:t>and evaluating community structure in </a:t>
-            </a:r>
-            <a:r>
-              <a:rPr lang="en-US" sz="2500" b="1" dirty="0" smtClean="0">
-                <a:solidFill>
-                  <a:srgbClr val="000000"/>
-                </a:solidFill>
-                <a:latin typeface="Arial"/>
-                <a:cs typeface="Avenir Next Medium"/>
-              </a:rPr>
-              <a:t>networks</a:t>
-            </a:r>
-            <a:r>
-              <a:rPr lang="en-US" sz="2500" b="1" dirty="0">
-                <a:solidFill>
-                  <a:srgbClr val="000000"/>
-                </a:solidFill>
-                <a:latin typeface="Arial"/>
-                <a:cs typeface="Avenir Next Medium"/>
-              </a:rPr>
-              <a:t>.</a:t>
-            </a:r>
-            <a:r>
-              <a:rPr lang="en-US" sz="2500" b="1" i="1" dirty="0" smtClean="0">
-                <a:solidFill>
-                  <a:srgbClr val="000000"/>
-                </a:solidFill>
-                <a:latin typeface="Arial"/>
-                <a:cs typeface="Avenir Next Medium"/>
-              </a:rPr>
-              <a:t> </a:t>
-            </a:r>
-            <a:r>
-              <a:rPr lang="en-US" sz="2500" b="1" i="1" dirty="0">
-                <a:solidFill>
-                  <a:srgbClr val="000000"/>
-                </a:solidFill>
-                <a:latin typeface="Arial"/>
-                <a:cs typeface="Avenir Next Medium"/>
-              </a:rPr>
-              <a:t>Phys. Rev.</a:t>
-            </a:r>
-            <a:r>
-              <a:rPr lang="en-US" sz="2500" b="1" dirty="0">
-                <a:solidFill>
-                  <a:srgbClr val="000000"/>
-                </a:solidFill>
-                <a:latin typeface="Arial"/>
-                <a:cs typeface="Avenir Next Medium"/>
-              </a:rPr>
-              <a:t> E 69, </a:t>
-            </a:r>
-            <a:r>
-              <a:rPr lang="en-US" sz="2500" b="1" dirty="0" smtClean="0">
-                <a:solidFill>
-                  <a:srgbClr val="000000"/>
-                </a:solidFill>
-                <a:latin typeface="Arial"/>
-                <a:cs typeface="Avenir Next Medium"/>
-              </a:rPr>
-              <a:t>026113.</a:t>
-            </a:r>
-            <a:endParaRPr lang="en-US" sz="2500" b="1" dirty="0">
-              <a:solidFill>
-                <a:srgbClr val="000000"/>
-              </a:solidFill>
-              <a:latin typeface="Arial"/>
-              <a:cs typeface="Avenir Next Medium"/>
-            </a:endParaRPr>
-          </a:p>
-          <a:p>
+                <a:cs typeface="Arial"/>
+              </a:rPr>
+              <a:t>Sound Analysis</a:t>
+            </a:r>
             <a:endParaRPr lang="en-US" sz="5400" b="1" i="1" dirty="0">
               <a:solidFill>
                 <a:srgbClr val="000000"/>
               </a:solidFill>
               <a:latin typeface="Arial"/>
-              <a:cs typeface="Avenir Next Medium"/>
+              <a:cs typeface="Arial"/>
             </a:endParaRPr>
           </a:p>
         </p:txBody>
       </p:sp>
       <p:pic>
         <p:nvPicPr>
-          <p:cNvPr id="48" name="Picture 47" descr="ego_network (1).png"/>
+          <p:cNvPr id="84" name="Picture 83" descr="modeling.jpg"/>
           <p:cNvPicPr>
             <a:picLocks noChangeAspect="1"/>
           </p:cNvPicPr>
           <p:nvPr/>
         </p:nvPicPr>
         <p:blipFill>
-          <a:blip r:embed="rId5">
-            <a:extLst>
-              <a:ext uri="{28A0092B-C50C-407E-A947-70E740481C1C}">
-                <a14:useLocalDpi xmlns:a14="http://schemas.microsoft.com/office/drawing/2010/main" val="0"/>
-              </a:ext>
-            </a:extLst>
-          </a:blip>
+          <a:blip r:embed="rId8"/>
           <a:stretch>
             <a:fillRect/>
           </a:stretch>
         </p:blipFill>
         <p:spPr>
           <a:xfrm>
-            <a:off x="0" y="13929519"/>
-            <a:ext cx="14143037" cy="10607278"/>
+            <a:off x="8504237" y="39492238"/>
+            <a:ext cx="12788900" cy="3302000"/>
           </a:xfrm>
           <a:prstGeom prst="rect">
             <a:avLst/>
@@ -5972,130 +5288,623 @@
       </p:pic>
       <p:sp>
         <p:nvSpPr>
-          <p:cNvPr id="67" name="TextBox 66"/>
-          <p:cNvSpPr txBox="1"/>
+          <p:cNvPr id="86" name="Text Box 180"/>
+          <p:cNvSpPr txBox="1">
+            <a:spLocks noChangeArrowheads="1"/>
+          </p:cNvSpPr>
           <p:nvPr/>
         </p:nvSpPr>
-        <p:spPr>
+        <p:spPr bwMode="auto">
           <a:xfrm>
-            <a:off x="-4165163" y="4318160"/>
-            <a:ext cx="184666" cy="1354217"/>
+            <a:off x="15743237" y="16291719"/>
+            <a:ext cx="13411200" cy="549484"/>
           </a:xfrm>
           <a:prstGeom prst="rect">
             <a:avLst/>
           </a:prstGeom>
           <a:noFill/>
+          <a:ln>
+            <a:noFill/>
+          </a:ln>
+          <a:effectLst/>
+          <a:extLst>
+            <a:ext uri="{909E8E84-426E-40dd-AFC4-6F175D3DCCD1}">
+              <a14:hiddenFill xmlns:a14="http://schemas.microsoft.com/office/drawing/2010/main" xmlns:p="http://schemas.openxmlformats.org/presentationml/2006/main" xmlns:r="http://schemas.openxmlformats.org/officeDocument/2006/relationships" xmlns:a="http://schemas.openxmlformats.org/drawingml/2006/main" xmlns="">
+                <a:solidFill>
+                  <a:schemeClr val="accent1"/>
+                </a:solidFill>
+              </a14:hiddenFill>
+            </a:ext>
+            <a:ext uri="{91240B29-F687-4f45-9708-019B960494DF}">
+              <a14:hiddenLine xmlns:a14="http://schemas.microsoft.com/office/drawing/2010/main" xmlns:p="http://schemas.openxmlformats.org/presentationml/2006/main" xmlns:r="http://schemas.openxmlformats.org/officeDocument/2006/relationships" xmlns:a="http://schemas.openxmlformats.org/drawingml/2006/main" xmlns="" w="9525">
+                <a:solidFill>
+                  <a:schemeClr val="tx1"/>
+                </a:solidFill>
+                <a:miter lim="800000"/>
+                <a:headEnd/>
+                <a:tailEnd/>
+              </a14:hiddenLine>
+            </a:ext>
+            <a:ext uri="{AF507438-7753-43e0-B8FC-AC1667EBCBE1}">
+              <a14:hiddenEffects xmlns:a14="http://schemas.microsoft.com/office/drawing/2010/main" xmlns:p="http://schemas.openxmlformats.org/presentationml/2006/main" xmlns:r="http://schemas.openxmlformats.org/officeDocument/2006/relationships" xmlns:a="http://schemas.openxmlformats.org/drawingml/2006/main" xmlns="">
+                <a:effectLst>
+                  <a:outerShdw dist="35921" dir="2700000" algn="ctr" rotWithShape="0">
+                    <a:schemeClr val="bg2"/>
+                  </a:outerShdw>
+                </a:effectLst>
+              </a14:hiddenEffects>
+            </a:ext>
+          </a:extLst>
         </p:spPr>
         <p:txBody>
-          <a:bodyPr wrap="none" rtlCol="0">
+          <a:bodyPr wrap="square" lIns="86970" tIns="43485" rIns="86970" bIns="43485">
             <a:spAutoFit/>
           </a:bodyPr>
-          <a:lstStyle/>
-          <a:p>
-            <a:endParaRPr lang="en-US" dirty="0"/>
+          <a:lstStyle>
+            <a:lvl1pPr defTabSz="4389438" eaLnBrk="0" hangingPunct="0">
+              <a:defRPr sz="2200">
+                <a:solidFill>
+                  <a:schemeClr val="tx1"/>
+                </a:solidFill>
+                <a:latin typeface="Arial" charset="0"/>
+              </a:defRPr>
+            </a:lvl1pPr>
+            <a:lvl2pPr marL="742950" indent="-285750" defTabSz="4389438" eaLnBrk="0" hangingPunct="0">
+              <a:defRPr sz="2200">
+                <a:solidFill>
+                  <a:schemeClr val="tx1"/>
+                </a:solidFill>
+                <a:latin typeface="Arial" charset="0"/>
+              </a:defRPr>
+            </a:lvl2pPr>
+            <a:lvl3pPr marL="1143000" indent="-228600" defTabSz="4389438" eaLnBrk="0" hangingPunct="0">
+              <a:defRPr sz="2200">
+                <a:solidFill>
+                  <a:schemeClr val="tx1"/>
+                </a:solidFill>
+                <a:latin typeface="Arial" charset="0"/>
+              </a:defRPr>
+            </a:lvl3pPr>
+            <a:lvl4pPr marL="1600200" indent="-228600" defTabSz="4389438" eaLnBrk="0" hangingPunct="0">
+              <a:defRPr sz="2200">
+                <a:solidFill>
+                  <a:schemeClr val="tx1"/>
+                </a:solidFill>
+                <a:latin typeface="Arial" charset="0"/>
+              </a:defRPr>
+            </a:lvl4pPr>
+            <a:lvl5pPr marL="2057400" indent="-228600" defTabSz="4389438" eaLnBrk="0" hangingPunct="0">
+              <a:defRPr sz="2200">
+                <a:solidFill>
+                  <a:schemeClr val="tx1"/>
+                </a:solidFill>
+                <a:latin typeface="Arial" charset="0"/>
+              </a:defRPr>
+            </a:lvl5pPr>
+            <a:lvl6pPr marL="2514600" indent="-228600" defTabSz="4389438" eaLnBrk="0" fontAlgn="base" hangingPunct="0">
+              <a:spcBef>
+                <a:spcPct val="0"/>
+              </a:spcBef>
+              <a:spcAft>
+                <a:spcPct val="0"/>
+              </a:spcAft>
+              <a:defRPr sz="2200">
+                <a:solidFill>
+                  <a:schemeClr val="tx1"/>
+                </a:solidFill>
+                <a:latin typeface="Arial" charset="0"/>
+              </a:defRPr>
+            </a:lvl6pPr>
+            <a:lvl7pPr marL="2971800" indent="-228600" defTabSz="4389438" eaLnBrk="0" fontAlgn="base" hangingPunct="0">
+              <a:spcBef>
+                <a:spcPct val="0"/>
+              </a:spcBef>
+              <a:spcAft>
+                <a:spcPct val="0"/>
+              </a:spcAft>
+              <a:defRPr sz="2200">
+                <a:solidFill>
+                  <a:schemeClr val="tx1"/>
+                </a:solidFill>
+                <a:latin typeface="Arial" charset="0"/>
+              </a:defRPr>
+            </a:lvl7pPr>
+            <a:lvl8pPr marL="3429000" indent="-228600" defTabSz="4389438" eaLnBrk="0" fontAlgn="base" hangingPunct="0">
+              <a:spcBef>
+                <a:spcPct val="0"/>
+              </a:spcBef>
+              <a:spcAft>
+                <a:spcPct val="0"/>
+              </a:spcAft>
+              <a:defRPr sz="2200">
+                <a:solidFill>
+                  <a:schemeClr val="tx1"/>
+                </a:solidFill>
+                <a:latin typeface="Arial" charset="0"/>
+              </a:defRPr>
+            </a:lvl8pPr>
+            <a:lvl9pPr marL="3886200" indent="-228600" defTabSz="4389438" eaLnBrk="0" fontAlgn="base" hangingPunct="0">
+              <a:spcBef>
+                <a:spcPct val="0"/>
+              </a:spcBef>
+              <a:spcAft>
+                <a:spcPct val="0"/>
+              </a:spcAft>
+              <a:defRPr sz="2200">
+                <a:solidFill>
+                  <a:schemeClr val="tx1"/>
+                </a:solidFill>
+                <a:latin typeface="Arial" charset="0"/>
+              </a:defRPr>
+            </a:lvl9pPr>
+          </a:lstStyle>
+          <a:p>
+            <a:pPr eaLnBrk="1" hangingPunct="1"/>
+            <a:r>
+              <a:rPr lang="en-US" sz="3000" b="1" dirty="0">
+                <a:latin typeface="Arial"/>
+              </a:rPr>
+              <a:t>Figure</a:t>
+            </a:r>
+            <a:r>
+              <a:rPr lang="en-US" sz="3000" b="1" dirty="0" smtClean="0">
+                <a:latin typeface="Arial"/>
+              </a:rPr>
+              <a:t> </a:t>
+            </a:r>
+            <a:r>
+              <a:rPr lang="en-US" sz="3000" b="1" dirty="0" smtClean="0">
+                <a:latin typeface="Arial"/>
+              </a:rPr>
+              <a:t>3</a:t>
+            </a:r>
+            <a:r>
+              <a:rPr lang="en-US" sz="3000" b="1" dirty="0" smtClean="0">
+                <a:latin typeface="Arial"/>
+              </a:rPr>
+              <a:t>. </a:t>
+            </a:r>
+            <a:r>
+              <a:rPr lang="en-US" sz="3000" dirty="0" smtClean="0">
+                <a:latin typeface="Arial"/>
+              </a:rPr>
+              <a:t>A </a:t>
+            </a:r>
+            <a:r>
+              <a:rPr lang="en-US" sz="3000" dirty="0" err="1" smtClean="0">
+                <a:latin typeface="Arial"/>
+              </a:rPr>
+              <a:t>mel</a:t>
+            </a:r>
+            <a:r>
+              <a:rPr lang="en-US" sz="3000" dirty="0" smtClean="0">
+                <a:latin typeface="Arial"/>
+              </a:rPr>
+              <a:t> spectrogram showing frequency amplitudes over time</a:t>
+            </a:r>
+            <a:endParaRPr lang="en-US" sz="3000" dirty="0">
+              <a:latin typeface="Arial"/>
+            </a:endParaRPr>
+          </a:p>
+        </p:txBody>
+      </p:sp>
+      <p:sp>
+        <p:nvSpPr>
+          <p:cNvPr id="88" name="Text Box 180"/>
+          <p:cNvSpPr txBox="1">
+            <a:spLocks noChangeArrowheads="1"/>
+          </p:cNvSpPr>
+          <p:nvPr/>
+        </p:nvSpPr>
+        <p:spPr bwMode="auto">
+          <a:xfrm>
+            <a:off x="1036637" y="37246719"/>
+            <a:ext cx="13411200" cy="549484"/>
+          </a:xfrm>
+          <a:prstGeom prst="rect">
+            <a:avLst/>
+          </a:prstGeom>
+          <a:noFill/>
+          <a:ln>
+            <a:noFill/>
+          </a:ln>
+          <a:effectLst/>
+          <a:extLst>
+            <a:ext uri="{909E8E84-426E-40dd-AFC4-6F175D3DCCD1}">
+              <a14:hiddenFill xmlns:a14="http://schemas.microsoft.com/office/drawing/2010/main" xmlns:p="http://schemas.openxmlformats.org/presentationml/2006/main" xmlns:r="http://schemas.openxmlformats.org/officeDocument/2006/relationships" xmlns:a="http://schemas.openxmlformats.org/drawingml/2006/main" xmlns="">
+                <a:solidFill>
+                  <a:schemeClr val="accent1"/>
+                </a:solidFill>
+              </a14:hiddenFill>
+            </a:ext>
+            <a:ext uri="{91240B29-F687-4f45-9708-019B960494DF}">
+              <a14:hiddenLine xmlns:a14="http://schemas.microsoft.com/office/drawing/2010/main" xmlns:p="http://schemas.openxmlformats.org/presentationml/2006/main" xmlns:r="http://schemas.openxmlformats.org/officeDocument/2006/relationships" xmlns:a="http://schemas.openxmlformats.org/drawingml/2006/main" xmlns="" w="9525">
+                <a:solidFill>
+                  <a:schemeClr val="tx1"/>
+                </a:solidFill>
+                <a:miter lim="800000"/>
+                <a:headEnd/>
+                <a:tailEnd/>
+              </a14:hiddenLine>
+            </a:ext>
+            <a:ext uri="{AF507438-7753-43e0-B8FC-AC1667EBCBE1}">
+              <a14:hiddenEffects xmlns:a14="http://schemas.microsoft.com/office/drawing/2010/main" xmlns:p="http://schemas.openxmlformats.org/presentationml/2006/main" xmlns:r="http://schemas.openxmlformats.org/officeDocument/2006/relationships" xmlns:a="http://schemas.openxmlformats.org/drawingml/2006/main" xmlns="">
+                <a:effectLst>
+                  <a:outerShdw dist="35921" dir="2700000" algn="ctr" rotWithShape="0">
+                    <a:schemeClr val="bg2"/>
+                  </a:outerShdw>
+                </a:effectLst>
+              </a14:hiddenEffects>
+            </a:ext>
+          </a:extLst>
+        </p:spPr>
+        <p:txBody>
+          <a:bodyPr wrap="square" lIns="86970" tIns="43485" rIns="86970" bIns="43485">
+            <a:spAutoFit/>
+          </a:bodyPr>
+          <a:lstStyle>
+            <a:lvl1pPr defTabSz="4389438" eaLnBrk="0" hangingPunct="0">
+              <a:defRPr sz="2200">
+                <a:solidFill>
+                  <a:schemeClr val="tx1"/>
+                </a:solidFill>
+                <a:latin typeface="Arial" charset="0"/>
+              </a:defRPr>
+            </a:lvl1pPr>
+            <a:lvl2pPr marL="742950" indent="-285750" defTabSz="4389438" eaLnBrk="0" hangingPunct="0">
+              <a:defRPr sz="2200">
+                <a:solidFill>
+                  <a:schemeClr val="tx1"/>
+                </a:solidFill>
+                <a:latin typeface="Arial" charset="0"/>
+              </a:defRPr>
+            </a:lvl2pPr>
+            <a:lvl3pPr marL="1143000" indent="-228600" defTabSz="4389438" eaLnBrk="0" hangingPunct="0">
+              <a:defRPr sz="2200">
+                <a:solidFill>
+                  <a:schemeClr val="tx1"/>
+                </a:solidFill>
+                <a:latin typeface="Arial" charset="0"/>
+              </a:defRPr>
+            </a:lvl3pPr>
+            <a:lvl4pPr marL="1600200" indent="-228600" defTabSz="4389438" eaLnBrk="0" hangingPunct="0">
+              <a:defRPr sz="2200">
+                <a:solidFill>
+                  <a:schemeClr val="tx1"/>
+                </a:solidFill>
+                <a:latin typeface="Arial" charset="0"/>
+              </a:defRPr>
+            </a:lvl4pPr>
+            <a:lvl5pPr marL="2057400" indent="-228600" defTabSz="4389438" eaLnBrk="0" hangingPunct="0">
+              <a:defRPr sz="2200">
+                <a:solidFill>
+                  <a:schemeClr val="tx1"/>
+                </a:solidFill>
+                <a:latin typeface="Arial" charset="0"/>
+              </a:defRPr>
+            </a:lvl5pPr>
+            <a:lvl6pPr marL="2514600" indent="-228600" defTabSz="4389438" eaLnBrk="0" fontAlgn="base" hangingPunct="0">
+              <a:spcBef>
+                <a:spcPct val="0"/>
+              </a:spcBef>
+              <a:spcAft>
+                <a:spcPct val="0"/>
+              </a:spcAft>
+              <a:defRPr sz="2200">
+                <a:solidFill>
+                  <a:schemeClr val="tx1"/>
+                </a:solidFill>
+                <a:latin typeface="Arial" charset="0"/>
+              </a:defRPr>
+            </a:lvl6pPr>
+            <a:lvl7pPr marL="2971800" indent="-228600" defTabSz="4389438" eaLnBrk="0" fontAlgn="base" hangingPunct="0">
+              <a:spcBef>
+                <a:spcPct val="0"/>
+              </a:spcBef>
+              <a:spcAft>
+                <a:spcPct val="0"/>
+              </a:spcAft>
+              <a:defRPr sz="2200">
+                <a:solidFill>
+                  <a:schemeClr val="tx1"/>
+                </a:solidFill>
+                <a:latin typeface="Arial" charset="0"/>
+              </a:defRPr>
+            </a:lvl7pPr>
+            <a:lvl8pPr marL="3429000" indent="-228600" defTabSz="4389438" eaLnBrk="0" fontAlgn="base" hangingPunct="0">
+              <a:spcBef>
+                <a:spcPct val="0"/>
+              </a:spcBef>
+              <a:spcAft>
+                <a:spcPct val="0"/>
+              </a:spcAft>
+              <a:defRPr sz="2200">
+                <a:solidFill>
+                  <a:schemeClr val="tx1"/>
+                </a:solidFill>
+                <a:latin typeface="Arial" charset="0"/>
+              </a:defRPr>
+            </a:lvl8pPr>
+            <a:lvl9pPr marL="3886200" indent="-228600" defTabSz="4389438" eaLnBrk="0" fontAlgn="base" hangingPunct="0">
+              <a:spcBef>
+                <a:spcPct val="0"/>
+              </a:spcBef>
+              <a:spcAft>
+                <a:spcPct val="0"/>
+              </a:spcAft>
+              <a:defRPr sz="2200">
+                <a:solidFill>
+                  <a:schemeClr val="tx1"/>
+                </a:solidFill>
+                <a:latin typeface="Arial" charset="0"/>
+              </a:defRPr>
+            </a:lvl9pPr>
+          </a:lstStyle>
+          <a:p>
+            <a:pPr eaLnBrk="1" hangingPunct="1"/>
+            <a:r>
+              <a:rPr lang="en-US" sz="3000" b="1" dirty="0">
+                <a:latin typeface="Arial"/>
+              </a:rPr>
+              <a:t>Figure</a:t>
+            </a:r>
+            <a:r>
+              <a:rPr lang="en-US" sz="3000" b="1" dirty="0" smtClean="0">
+                <a:latin typeface="Arial"/>
+              </a:rPr>
+              <a:t> </a:t>
+            </a:r>
+            <a:r>
+              <a:rPr lang="en-US" sz="3000" b="1" dirty="0" smtClean="0">
+                <a:latin typeface="Arial"/>
+              </a:rPr>
+              <a:t>2. </a:t>
+            </a:r>
+            <a:r>
+              <a:rPr lang="en-US" sz="3000" dirty="0" smtClean="0">
+                <a:latin typeface="Arial"/>
+              </a:rPr>
+              <a:t>An illustration of our software architecture</a:t>
+            </a:r>
+            <a:endParaRPr lang="en-US" sz="3000" dirty="0">
+              <a:latin typeface="Arial"/>
+            </a:endParaRPr>
+          </a:p>
+        </p:txBody>
+      </p:sp>
+      <p:sp>
+        <p:nvSpPr>
+          <p:cNvPr id="91" name="Text Box 189"/>
+          <p:cNvSpPr txBox="1">
+            <a:spLocks noChangeArrowheads="1"/>
+          </p:cNvSpPr>
+          <p:nvPr/>
+        </p:nvSpPr>
+        <p:spPr bwMode="auto">
+          <a:xfrm>
+            <a:off x="15667037" y="7223919"/>
+            <a:ext cx="13563600" cy="5337258"/>
+          </a:xfrm>
+          <a:prstGeom prst="rect">
+            <a:avLst/>
+          </a:prstGeom>
+          <a:solidFill>
+            <a:schemeClr val="bg1"/>
+          </a:solidFill>
+          <a:ln w="12700">
+            <a:noFill/>
+          </a:ln>
+          <a:effectLst/>
+        </p:spPr>
+        <p:txBody>
+          <a:bodyPr wrap="square" lIns="173940" tIns="173940" rIns="173940" bIns="173940">
+            <a:spAutoFit/>
+          </a:bodyPr>
+          <a:lstStyle>
+            <a:lvl1pPr eaLnBrk="0" hangingPunct="0">
+              <a:defRPr sz="2200">
+                <a:solidFill>
+                  <a:schemeClr val="tx1"/>
+                </a:solidFill>
+                <a:latin typeface="Arial" charset="0"/>
+              </a:defRPr>
+            </a:lvl1pPr>
+            <a:lvl2pPr marL="742950" indent="-285750" eaLnBrk="0" hangingPunct="0">
+              <a:defRPr sz="2200">
+                <a:solidFill>
+                  <a:schemeClr val="tx1"/>
+                </a:solidFill>
+                <a:latin typeface="Arial" charset="0"/>
+              </a:defRPr>
+            </a:lvl2pPr>
+            <a:lvl3pPr marL="1143000" indent="-228600" eaLnBrk="0" hangingPunct="0">
+              <a:defRPr sz="2200">
+                <a:solidFill>
+                  <a:schemeClr val="tx1"/>
+                </a:solidFill>
+                <a:latin typeface="Arial" charset="0"/>
+              </a:defRPr>
+            </a:lvl3pPr>
+            <a:lvl4pPr marL="1600200" indent="-228600" eaLnBrk="0" hangingPunct="0">
+              <a:defRPr sz="2200">
+                <a:solidFill>
+                  <a:schemeClr val="tx1"/>
+                </a:solidFill>
+                <a:latin typeface="Arial" charset="0"/>
+              </a:defRPr>
+            </a:lvl4pPr>
+            <a:lvl5pPr marL="2057400" indent="-228600" eaLnBrk="0" hangingPunct="0">
+              <a:defRPr sz="2200">
+                <a:solidFill>
+                  <a:schemeClr val="tx1"/>
+                </a:solidFill>
+                <a:latin typeface="Arial" charset="0"/>
+              </a:defRPr>
+            </a:lvl5pPr>
+            <a:lvl6pPr marL="2514600" indent="-228600" eaLnBrk="0" fontAlgn="base" hangingPunct="0">
+              <a:spcBef>
+                <a:spcPct val="0"/>
+              </a:spcBef>
+              <a:spcAft>
+                <a:spcPct val="0"/>
+              </a:spcAft>
+              <a:defRPr sz="2200">
+                <a:solidFill>
+                  <a:schemeClr val="tx1"/>
+                </a:solidFill>
+                <a:latin typeface="Arial" charset="0"/>
+              </a:defRPr>
+            </a:lvl6pPr>
+            <a:lvl7pPr marL="2971800" indent="-228600" eaLnBrk="0" fontAlgn="base" hangingPunct="0">
+              <a:spcBef>
+                <a:spcPct val="0"/>
+              </a:spcBef>
+              <a:spcAft>
+                <a:spcPct val="0"/>
+              </a:spcAft>
+              <a:defRPr sz="2200">
+                <a:solidFill>
+                  <a:schemeClr val="tx1"/>
+                </a:solidFill>
+                <a:latin typeface="Arial" charset="0"/>
+              </a:defRPr>
+            </a:lvl7pPr>
+            <a:lvl8pPr marL="3429000" indent="-228600" eaLnBrk="0" fontAlgn="base" hangingPunct="0">
+              <a:spcBef>
+                <a:spcPct val="0"/>
+              </a:spcBef>
+              <a:spcAft>
+                <a:spcPct val="0"/>
+              </a:spcAft>
+              <a:defRPr sz="2200">
+                <a:solidFill>
+                  <a:schemeClr val="tx1"/>
+                </a:solidFill>
+                <a:latin typeface="Arial" charset="0"/>
+              </a:defRPr>
+            </a:lvl8pPr>
+            <a:lvl9pPr marL="3886200" indent="-228600" eaLnBrk="0" fontAlgn="base" hangingPunct="0">
+              <a:spcBef>
+                <a:spcPct val="0"/>
+              </a:spcBef>
+              <a:spcAft>
+                <a:spcPct val="0"/>
+              </a:spcAft>
+              <a:defRPr sz="2200">
+                <a:solidFill>
+                  <a:schemeClr val="tx1"/>
+                </a:solidFill>
+                <a:latin typeface="Arial" charset="0"/>
+              </a:defRPr>
+            </a:lvl9pPr>
+          </a:lstStyle>
+          <a:p>
+            <a:pPr eaLnBrk="1" hangingPunct="1"/>
+            <a:r>
+              <a:rPr lang="en-US" sz="3600" dirty="0" smtClean="0"/>
+              <a:t>Each song is analyzed in a variety of ways:</a:t>
+            </a:r>
+          </a:p>
+          <a:p>
+            <a:pPr eaLnBrk="1" hangingPunct="1"/>
+            <a:r>
+              <a:rPr lang="en-US" sz="3600" dirty="0" smtClean="0"/>
+              <a:t>	</a:t>
+            </a:r>
+          </a:p>
+          <a:p>
+            <a:pPr lvl="1" eaLnBrk="1" hangingPunct="1">
+              <a:buFont typeface="Arial"/>
+              <a:buChar char="•"/>
+            </a:pPr>
+            <a:r>
+              <a:rPr lang="en-US" sz="3600" dirty="0" smtClean="0"/>
+              <a:t> Tempo/Beat tracking</a:t>
+            </a:r>
+          </a:p>
+          <a:p>
+            <a:pPr eaLnBrk="1" hangingPunct="1"/>
+            <a:endParaRPr lang="en-US" sz="3600" dirty="0" smtClean="0"/>
+          </a:p>
+          <a:p>
+            <a:pPr lvl="1" eaLnBrk="1" hangingPunct="1">
+              <a:buFont typeface="Arial"/>
+              <a:buChar char="•"/>
+            </a:pPr>
+            <a:r>
+              <a:rPr lang="en-US" sz="3600" dirty="0" smtClean="0"/>
+              <a:t> Frequency Amplitudes</a:t>
+            </a:r>
+          </a:p>
+          <a:p>
+            <a:pPr lvl="1" eaLnBrk="1" hangingPunct="1"/>
+            <a:endParaRPr lang="en-US" sz="3600" dirty="0" smtClean="0"/>
+          </a:p>
+          <a:p>
+            <a:pPr lvl="1" eaLnBrk="1" hangingPunct="1">
+              <a:buFont typeface="Arial"/>
+              <a:buChar char="•"/>
+            </a:pPr>
+            <a:r>
+              <a:rPr lang="en-US" sz="3600" dirty="0" smtClean="0"/>
+              <a:t> Mood Detection</a:t>
+            </a:r>
+          </a:p>
+          <a:p>
+            <a:pPr lvl="1" eaLnBrk="1" hangingPunct="1"/>
+            <a:endParaRPr lang="en-US" sz="3600" dirty="0" smtClean="0"/>
+          </a:p>
+          <a:p>
+            <a:pPr eaLnBrk="1" hangingPunct="1">
+              <a:buFont typeface="Arial"/>
+              <a:buChar char="•"/>
+            </a:pPr>
+            <a:endParaRPr lang="en-US" sz="3600" dirty="0" smtClean="0"/>
           </a:p>
         </p:txBody>
       </p:sp>
       <p:pic>
         <p:nvPicPr>
-          <p:cNvPr id="3" name="Picture 2" descr="trainin_error_plot.png"/>
+          <p:cNvPr id="94" name="Picture 93" descr="Untitled Diagram-3.jpg"/>
           <p:cNvPicPr>
             <a:picLocks noChangeAspect="1"/>
           </p:cNvPicPr>
           <p:nvPr/>
         </p:nvPicPr>
         <p:blipFill>
-          <a:blip r:embed="rId6">
-            <a:extLst>
-              <a:ext uri="{28A0092B-C50C-407E-A947-70E740481C1C}">
-                <a14:useLocalDpi xmlns:a14="http://schemas.microsoft.com/office/drawing/2010/main" val="0"/>
-              </a:ext>
-            </a:extLst>
-          </a:blip>
+          <a:blip r:embed="rId9"/>
           <a:stretch>
             <a:fillRect/>
           </a:stretch>
         </p:blipFill>
         <p:spPr>
           <a:xfrm>
-            <a:off x="15743237" y="18730119"/>
-            <a:ext cx="11430000" cy="8572500"/>
+            <a:off x="1112837" y="29779119"/>
+            <a:ext cx="11709400" cy="6654800"/>
           </a:xfrm>
           <a:prstGeom prst="rect">
             <a:avLst/>
           </a:prstGeom>
         </p:spPr>
       </p:pic>
-      <p:sp>
-        <p:nvSpPr>
-          <p:cNvPr id="6" name="TextBox 5"/>
-          <p:cNvSpPr txBox="1"/>
-          <p:nvPr/>
-        </p:nvSpPr>
-        <p:spPr>
-          <a:xfrm>
-            <a:off x="15743237" y="27569319"/>
-            <a:ext cx="13868400" cy="1754327"/>
-          </a:xfrm>
-          <a:prstGeom prst="rect">
-            <a:avLst/>
-          </a:prstGeom>
-          <a:noFill/>
-        </p:spPr>
-        <p:txBody>
-          <a:bodyPr wrap="square" rtlCol="0">
-            <a:spAutoFit/>
-          </a:bodyPr>
-          <a:lstStyle/>
-          <a:p>
-            <a:r>
-              <a:rPr lang="en-US" sz="3600" dirty="0" smtClean="0">
-                <a:latin typeface="Arial"/>
-                <a:cs typeface="Arial"/>
-              </a:rPr>
-              <a:t>However, our algorithm for selecting appropriate </a:t>
-            </a:r>
-            <a:r>
-              <a:rPr lang="en-US" sz="3600" dirty="0" err="1" smtClean="0">
-                <a:latin typeface="Arial"/>
-                <a:cs typeface="Arial"/>
-              </a:rPr>
-              <a:t>dendrogram</a:t>
-            </a:r>
-            <a:r>
-              <a:rPr lang="en-US" sz="3600" dirty="0" smtClean="0">
-                <a:latin typeface="Arial"/>
-                <a:cs typeface="Arial"/>
-              </a:rPr>
-              <a:t> levels isn’t performing as expected. We have proposed solutions in our conclusions section.</a:t>
-            </a:r>
-          </a:p>
-        </p:txBody>
-      </p:sp>
       <p:pic>
         <p:nvPicPr>
-          <p:cNvPr id="8" name="Picture 7" descr="betweenness (2).png"/>
+          <p:cNvPr id="96" name="Picture 95" descr="Screen Shot 2014-12-15 at 2.49.40 AM.png"/>
           <p:cNvPicPr>
             <a:picLocks noChangeAspect="1"/>
           </p:cNvPicPr>
           <p:nvPr/>
         </p:nvPicPr>
         <p:blipFill>
-          <a:blip r:embed="rId7">
-            <a:extLst>
-              <a:ext uri="{28A0092B-C50C-407E-A947-70E740481C1C}">
-                <a14:useLocalDpi xmlns:a14="http://schemas.microsoft.com/office/drawing/2010/main" val="0"/>
-              </a:ext>
-            </a:extLst>
-          </a:blip>
+          <a:blip r:embed="rId10"/>
           <a:stretch>
             <a:fillRect/>
           </a:stretch>
         </p:blipFill>
         <p:spPr>
           <a:xfrm>
-            <a:off x="884237" y="29245719"/>
-            <a:ext cx="12192000" cy="9144000"/>
+            <a:off x="21991637" y="20482719"/>
+            <a:ext cx="7561909" cy="6019800"/>
           </a:xfrm>
           <a:prstGeom prst="rect">
             <a:avLst/>
@@ -6105,7 +5914,7 @@
     </p:spTree>
     <p:extLst>
       <p:ext uri="{BB962C8B-B14F-4D97-AF65-F5344CB8AC3E}">
-        <p14:creationId xmlns:p14="http://schemas.microsoft.com/office/powerpoint/2010/main" val="2251251862"/>
+        <p14:creationId xmlns:p14="http://schemas.microsoft.com/office/powerpoint/2010/main" xmlns:p="http://schemas.openxmlformats.org/presentationml/2006/main" xmlns:r="http://schemas.openxmlformats.org/officeDocument/2006/relationships" xmlns:a="http://schemas.openxmlformats.org/drawingml/2006/main" xmlns="" val="2251251862"/>
       </p:ext>
     </p:extLst>
   </p:cSld>
@@ -6115,7 +5924,7 @@
   <p:timing>
     <p:tnLst>
       <p:par>
-        <p:cTn xmlns:p14="http://schemas.microsoft.com/office/powerpoint/2010/main" id="1" dur="indefinite" restart="never" nodeType="tmRoot"/>
+        <p:cTn id="1" dur="indefinite" restart="never" nodeType="tmRoot"/>
       </p:par>
     </p:tnLst>
   </p:timing>
